--- a/Presentation 5 slides.pptx
+++ b/Presentation 5 slides.pptx
@@ -4,14 +4,15 @@
   <p:sldMasterIdLst>
     <p:sldMasterId id="2147483648" r:id="rId2"/>
     <p:sldMasterId id="2147483661" r:id="rId3"/>
+    <p:sldMasterId id="2147483674" r:id="rId4"/>
   </p:sldMasterIdLst>
   <p:sldIdLst>
-    <p:sldId id="256" r:id="rId4"/>
-    <p:sldId id="257" r:id="rId5"/>
-    <p:sldId id="258" r:id="rId6"/>
-    <p:sldId id="259" r:id="rId7"/>
-    <p:sldId id="260" r:id="rId8"/>
-    <p:sldId id="261" r:id="rId9"/>
+    <p:sldId id="256" r:id="rId5"/>
+    <p:sldId id="257" r:id="rId6"/>
+    <p:sldId id="258" r:id="rId7"/>
+    <p:sldId id="259" r:id="rId8"/>
+    <p:sldId id="260" r:id="rId9"/>
+    <p:sldId id="261" r:id="rId10"/>
   </p:sldIdLst>
   <p:sldSz cx="10080625" cy="7559675"/>
   <p:notesSz cx="7559675" cy="10691812"/>
@@ -59,7 +60,7 @@
       </p:grpSpPr>
       <p:sp>
         <p:nvSpPr>
-          <p:cNvPr id="29" name="PlaceHolder 1"/>
+          <p:cNvPr id="25" name="PlaceHolder 1"/>
           <p:cNvSpPr>
             <a:spLocks noGrp="1"/>
           </p:cNvSpPr>
@@ -69,8 +70,8 @@
         </p:nvSpPr>
         <p:spPr>
           <a:xfrm>
-            <a:off x="424080" y="424800"/>
-            <a:ext cx="9231480" cy="1262880"/>
+            <a:off x="504000" y="301320"/>
+            <a:ext cx="9072000" cy="1262160"/>
           </a:xfrm>
           <a:prstGeom prst="rect">
             <a:avLst/>
@@ -79,13 +80,14 @@
         <p:txBody>
           <a:bodyPr lIns="0" rIns="0" tIns="0" bIns="0" anchor="ctr"/>
           <a:p>
-            <a:endParaRPr/>
-          </a:p>
-        </p:txBody>
-      </p:sp>
-      <p:sp>
-        <p:nvSpPr>
-          <p:cNvPr id="30" name="PlaceHolder 2"/>
+            <a:pPr algn="ctr"/>
+            <a:endParaRPr/>
+          </a:p>
+        </p:txBody>
+      </p:sp>
+      <p:sp>
+        <p:nvSpPr>
+          <p:cNvPr id="26" name="PlaceHolder 2"/>
           <p:cNvSpPr>
             <a:spLocks noGrp="1"/>
           </p:cNvSpPr>
@@ -96,22 +98,22 @@
         <p:spPr>
           <a:xfrm>
             <a:off x="504000" y="1768680"/>
-            <a:ext cx="9071640" cy="2090880"/>
-          </a:xfrm>
-          <a:prstGeom prst="rect">
-            <a:avLst/>
-          </a:prstGeom>
-        </p:spPr>
-        <p:txBody>
-          <a:bodyPr lIns="0" rIns="0" tIns="0" bIns="0"/>
-          <a:p>
-            <a:endParaRPr/>
-          </a:p>
-        </p:txBody>
-      </p:sp>
-      <p:sp>
-        <p:nvSpPr>
-          <p:cNvPr id="31" name="PlaceHolder 3"/>
+            <a:ext cx="9072000" cy="2090880"/>
+          </a:xfrm>
+          <a:prstGeom prst="rect">
+            <a:avLst/>
+          </a:prstGeom>
+        </p:spPr>
+        <p:txBody>
+          <a:bodyPr lIns="0" rIns="0" tIns="0" bIns="0"/>
+          <a:p>
+            <a:endParaRPr/>
+          </a:p>
+        </p:txBody>
+      </p:sp>
+      <p:sp>
+        <p:nvSpPr>
+          <p:cNvPr id="27" name="PlaceHolder 3"/>
           <p:cNvSpPr>
             <a:spLocks noGrp="1"/>
           </p:cNvSpPr>
@@ -122,7 +124,7 @@
         <p:spPr>
           <a:xfrm>
             <a:off x="504000" y="4058640"/>
-            <a:ext cx="9071640" cy="2090880"/>
+            <a:ext cx="9072000" cy="2090880"/>
           </a:xfrm>
           <a:prstGeom prst="rect">
             <a:avLst/>
@@ -159,7 +161,7 @@
       </p:grpSpPr>
       <p:sp>
         <p:nvSpPr>
-          <p:cNvPr id="32" name="PlaceHolder 1"/>
+          <p:cNvPr id="28" name="PlaceHolder 1"/>
           <p:cNvSpPr>
             <a:spLocks noGrp="1"/>
           </p:cNvSpPr>
@@ -169,8 +171,8 @@
         </p:nvSpPr>
         <p:spPr>
           <a:xfrm>
-            <a:off x="424080" y="424800"/>
-            <a:ext cx="9231480" cy="1262880"/>
+            <a:off x="504000" y="301320"/>
+            <a:ext cx="9072000" cy="1262160"/>
           </a:xfrm>
           <a:prstGeom prst="rect">
             <a:avLst/>
@@ -179,13 +181,14 @@
         <p:txBody>
           <a:bodyPr lIns="0" rIns="0" tIns="0" bIns="0" anchor="ctr"/>
           <a:p>
-            <a:endParaRPr/>
-          </a:p>
-        </p:txBody>
-      </p:sp>
-      <p:sp>
-        <p:nvSpPr>
-          <p:cNvPr id="33" name="PlaceHolder 2"/>
+            <a:pPr algn="ctr"/>
+            <a:endParaRPr/>
+          </a:p>
+        </p:txBody>
+      </p:sp>
+      <p:sp>
+        <p:nvSpPr>
+          <p:cNvPr id="29" name="PlaceHolder 2"/>
           <p:cNvSpPr>
             <a:spLocks noGrp="1"/>
           </p:cNvSpPr>
@@ -211,7 +214,7 @@
       </p:sp>
       <p:sp>
         <p:nvSpPr>
-          <p:cNvPr id="34" name="PlaceHolder 3"/>
+          <p:cNvPr id="30" name="PlaceHolder 3"/>
           <p:cNvSpPr>
             <a:spLocks noGrp="1"/>
           </p:cNvSpPr>
@@ -237,7 +240,7 @@
       </p:sp>
       <p:sp>
         <p:nvSpPr>
-          <p:cNvPr id="35" name="PlaceHolder 4"/>
+          <p:cNvPr id="31" name="PlaceHolder 4"/>
           <p:cNvSpPr>
             <a:spLocks noGrp="1"/>
           </p:cNvSpPr>
@@ -263,7 +266,7 @@
       </p:sp>
       <p:sp>
         <p:nvSpPr>
-          <p:cNvPr id="36" name="PlaceHolder 5"/>
+          <p:cNvPr id="32" name="PlaceHolder 5"/>
           <p:cNvSpPr>
             <a:spLocks noGrp="1"/>
           </p:cNvSpPr>
@@ -311,7 +314,7 @@
       </p:grpSpPr>
       <p:sp>
         <p:nvSpPr>
-          <p:cNvPr id="37" name="PlaceHolder 1"/>
+          <p:cNvPr id="33" name="PlaceHolder 1"/>
           <p:cNvSpPr>
             <a:spLocks noGrp="1"/>
           </p:cNvSpPr>
@@ -321,8 +324,8 @@
         </p:nvSpPr>
         <p:spPr>
           <a:xfrm>
-            <a:off x="424080" y="424800"/>
-            <a:ext cx="9231480" cy="1262880"/>
+            <a:off x="504000" y="301320"/>
+            <a:ext cx="9072000" cy="1262160"/>
           </a:xfrm>
           <a:prstGeom prst="rect">
             <a:avLst/>
@@ -331,13 +334,14 @@
         <p:txBody>
           <a:bodyPr lIns="0" rIns="0" tIns="0" bIns="0" anchor="ctr"/>
           <a:p>
-            <a:endParaRPr/>
-          </a:p>
-        </p:txBody>
-      </p:sp>
-      <p:sp>
-        <p:nvSpPr>
-          <p:cNvPr id="38" name="PlaceHolder 2"/>
+            <a:pPr algn="ctr"/>
+            <a:endParaRPr/>
+          </a:p>
+        </p:txBody>
+      </p:sp>
+      <p:sp>
+        <p:nvSpPr>
+          <p:cNvPr id="34" name="PlaceHolder 2"/>
           <p:cNvSpPr>
             <a:spLocks noGrp="1"/>
           </p:cNvSpPr>
@@ -348,22 +352,22 @@
         <p:spPr>
           <a:xfrm>
             <a:off x="504000" y="1768680"/>
-            <a:ext cx="9071640" cy="4384080"/>
-          </a:xfrm>
-          <a:prstGeom prst="rect">
-            <a:avLst/>
-          </a:prstGeom>
-        </p:spPr>
-        <p:txBody>
-          <a:bodyPr lIns="0" rIns="0" tIns="0" bIns="0"/>
-          <a:p>
-            <a:endParaRPr/>
-          </a:p>
-        </p:txBody>
-      </p:sp>
-      <p:sp>
-        <p:nvSpPr>
-          <p:cNvPr id="39" name="PlaceHolder 3"/>
+            <a:ext cx="9072000" cy="4384080"/>
+          </a:xfrm>
+          <a:prstGeom prst="rect">
+            <a:avLst/>
+          </a:prstGeom>
+        </p:spPr>
+        <p:txBody>
+          <a:bodyPr lIns="0" rIns="0" tIns="0" bIns="0"/>
+          <a:p>
+            <a:endParaRPr/>
+          </a:p>
+        </p:txBody>
+      </p:sp>
+      <p:sp>
+        <p:nvSpPr>
+          <p:cNvPr id="35" name="PlaceHolder 3"/>
           <p:cNvSpPr>
             <a:spLocks noGrp="1"/>
           </p:cNvSpPr>
@@ -374,7 +378,7 @@
         <p:spPr>
           <a:xfrm>
             <a:off x="504000" y="1768680"/>
-            <a:ext cx="9071640" cy="4384080"/>
+            <a:ext cx="9072000" cy="4384080"/>
           </a:xfrm>
           <a:prstGeom prst="rect">
             <a:avLst/>
@@ -389,7 +393,7 @@
       </p:sp>
       <p:pic>
         <p:nvPicPr>
-          <p:cNvPr id="40" name="" descr=""/>
+          <p:cNvPr id="36" name="" descr=""/>
           <p:cNvPicPr/>
           <p:nvPr/>
         </p:nvPicPr>
@@ -401,7 +405,7 @@
         </p:blipFill>
         <p:spPr>
           <a:xfrm>
-            <a:off x="2292120" y="1768680"/>
+            <a:off x="2292480" y="1768680"/>
             <a:ext cx="5494680" cy="4384080"/>
           </a:xfrm>
           <a:prstGeom prst="rect">
@@ -414,7 +418,7 @@
       </p:pic>
       <p:pic>
         <p:nvPicPr>
-          <p:cNvPr id="41" name="" descr=""/>
+          <p:cNvPr id="37" name="" descr=""/>
           <p:cNvPicPr/>
           <p:nvPr/>
         </p:nvPicPr>
@@ -426,7 +430,7 @@
         </p:blipFill>
         <p:spPr>
           <a:xfrm>
-            <a:off x="2292120" y="1768680"/>
+            <a:off x="2292480" y="1768680"/>
             <a:ext cx="5494680" cy="4384080"/>
           </a:xfrm>
           <a:prstGeom prst="rect">
@@ -483,7 +487,7 @@
       </p:grpSpPr>
       <p:sp>
         <p:nvSpPr>
-          <p:cNvPr id="49" name="PlaceHolder 1"/>
+          <p:cNvPr id="43" name="PlaceHolder 1"/>
           <p:cNvSpPr>
             <a:spLocks noGrp="1"/>
           </p:cNvSpPr>
@@ -493,8 +497,8 @@
         </p:nvSpPr>
         <p:spPr>
           <a:xfrm>
-            <a:off x="424080" y="424800"/>
-            <a:ext cx="9231480" cy="1262880"/>
+            <a:off x="504000" y="301320"/>
+            <a:ext cx="9072000" cy="1262160"/>
           </a:xfrm>
           <a:prstGeom prst="rect">
             <a:avLst/>
@@ -503,13 +507,14 @@
         <p:txBody>
           <a:bodyPr lIns="0" rIns="0" tIns="0" bIns="0" anchor="ctr"/>
           <a:p>
-            <a:endParaRPr/>
-          </a:p>
-        </p:txBody>
-      </p:sp>
-      <p:sp>
-        <p:nvSpPr>
-          <p:cNvPr id="50" name="PlaceHolder 2"/>
+            <a:pPr algn="ctr"/>
+            <a:endParaRPr/>
+          </a:p>
+        </p:txBody>
+      </p:sp>
+      <p:sp>
+        <p:nvSpPr>
+          <p:cNvPr id="44" name="PlaceHolder 2"/>
           <p:cNvSpPr>
             <a:spLocks noGrp="1"/>
           </p:cNvSpPr>
@@ -520,7 +525,7 @@
         <p:spPr>
           <a:xfrm>
             <a:off x="504000" y="1768680"/>
-            <a:ext cx="9071640" cy="4384440"/>
+            <a:ext cx="9072000" cy="4384440"/>
           </a:xfrm>
           <a:prstGeom prst="rect">
             <a:avLst/>
@@ -558,7 +563,7 @@
       </p:grpSpPr>
       <p:sp>
         <p:nvSpPr>
-          <p:cNvPr id="51" name="PlaceHolder 1"/>
+          <p:cNvPr id="45" name="PlaceHolder 1"/>
           <p:cNvSpPr>
             <a:spLocks noGrp="1"/>
           </p:cNvSpPr>
@@ -568,8 +573,8 @@
         </p:nvSpPr>
         <p:spPr>
           <a:xfrm>
-            <a:off x="424080" y="424800"/>
-            <a:ext cx="9231480" cy="1262880"/>
+            <a:off x="504000" y="301320"/>
+            <a:ext cx="9072000" cy="1262160"/>
           </a:xfrm>
           <a:prstGeom prst="rect">
             <a:avLst/>
@@ -578,13 +583,14 @@
         <p:txBody>
           <a:bodyPr lIns="0" rIns="0" tIns="0" bIns="0" anchor="ctr"/>
           <a:p>
-            <a:endParaRPr/>
-          </a:p>
-        </p:txBody>
-      </p:sp>
-      <p:sp>
-        <p:nvSpPr>
-          <p:cNvPr id="52" name="PlaceHolder 2"/>
+            <a:pPr algn="ctr"/>
+            <a:endParaRPr/>
+          </a:p>
+        </p:txBody>
+      </p:sp>
+      <p:sp>
+        <p:nvSpPr>
+          <p:cNvPr id="46" name="PlaceHolder 2"/>
           <p:cNvSpPr>
             <a:spLocks noGrp="1"/>
           </p:cNvSpPr>
@@ -595,7 +601,7 @@
         <p:spPr>
           <a:xfrm>
             <a:off x="504000" y="1768680"/>
-            <a:ext cx="9071640" cy="4384080"/>
+            <a:ext cx="9072000" cy="4384080"/>
           </a:xfrm>
           <a:prstGeom prst="rect">
             <a:avLst/>
@@ -632,7 +638,7 @@
       </p:grpSpPr>
       <p:sp>
         <p:nvSpPr>
-          <p:cNvPr id="53" name="PlaceHolder 1"/>
+          <p:cNvPr id="47" name="PlaceHolder 1"/>
           <p:cNvSpPr>
             <a:spLocks noGrp="1"/>
           </p:cNvSpPr>
@@ -642,8 +648,8 @@
         </p:nvSpPr>
         <p:spPr>
           <a:xfrm>
-            <a:off x="424080" y="424800"/>
-            <a:ext cx="9231480" cy="1262880"/>
+            <a:off x="504000" y="301320"/>
+            <a:ext cx="9072000" cy="1262160"/>
           </a:xfrm>
           <a:prstGeom prst="rect">
             <a:avLst/>
@@ -652,13 +658,14 @@
         <p:txBody>
           <a:bodyPr lIns="0" rIns="0" tIns="0" bIns="0" anchor="ctr"/>
           <a:p>
-            <a:endParaRPr/>
-          </a:p>
-        </p:txBody>
-      </p:sp>
-      <p:sp>
-        <p:nvSpPr>
-          <p:cNvPr id="54" name="PlaceHolder 2"/>
+            <a:pPr algn="ctr"/>
+            <a:endParaRPr/>
+          </a:p>
+        </p:txBody>
+      </p:sp>
+      <p:sp>
+        <p:nvSpPr>
+          <p:cNvPr id="48" name="PlaceHolder 2"/>
           <p:cNvSpPr>
             <a:spLocks noGrp="1"/>
           </p:cNvSpPr>
@@ -684,7 +691,7 @@
       </p:sp>
       <p:sp>
         <p:nvSpPr>
-          <p:cNvPr id="55" name="PlaceHolder 3"/>
+          <p:cNvPr id="49" name="PlaceHolder 3"/>
           <p:cNvSpPr>
             <a:spLocks noGrp="1"/>
           </p:cNvSpPr>
@@ -732,7 +739,7 @@
       </p:grpSpPr>
       <p:sp>
         <p:nvSpPr>
-          <p:cNvPr id="56" name="PlaceHolder 1"/>
+          <p:cNvPr id="50" name="PlaceHolder 1"/>
           <p:cNvSpPr>
             <a:spLocks noGrp="1"/>
           </p:cNvSpPr>
@@ -742,8 +749,8 @@
         </p:nvSpPr>
         <p:spPr>
           <a:xfrm>
-            <a:off x="424080" y="424800"/>
-            <a:ext cx="9231480" cy="1262880"/>
+            <a:off x="504000" y="301320"/>
+            <a:ext cx="9072000" cy="1262160"/>
           </a:xfrm>
           <a:prstGeom prst="rect">
             <a:avLst/>
@@ -752,6 +759,7 @@
         <p:txBody>
           <a:bodyPr lIns="0" rIns="0" tIns="0" bIns="0" anchor="ctr"/>
           <a:p>
+            <a:pPr algn="ctr"/>
             <a:endParaRPr/>
           </a:p>
         </p:txBody>
@@ -780,7 +788,7 @@
       </p:grpSpPr>
       <p:sp>
         <p:nvSpPr>
-          <p:cNvPr id="57" name="PlaceHolder 1"/>
+          <p:cNvPr id="51" name="PlaceHolder 1"/>
           <p:cNvSpPr>
             <a:spLocks noGrp="1"/>
           </p:cNvSpPr>
@@ -790,8 +798,8 @@
         </p:nvSpPr>
         <p:spPr>
           <a:xfrm>
-            <a:off x="424080" y="424800"/>
-            <a:ext cx="9231480" cy="5853960"/>
+            <a:off x="504000" y="301320"/>
+            <a:ext cx="9072000" cy="5850720"/>
           </a:xfrm>
           <a:prstGeom prst="rect">
             <a:avLst/>
@@ -829,7 +837,7 @@
       </p:grpSpPr>
       <p:sp>
         <p:nvSpPr>
-          <p:cNvPr id="58" name="PlaceHolder 1"/>
+          <p:cNvPr id="52" name="PlaceHolder 1"/>
           <p:cNvSpPr>
             <a:spLocks noGrp="1"/>
           </p:cNvSpPr>
@@ -839,8 +847,8 @@
         </p:nvSpPr>
         <p:spPr>
           <a:xfrm>
-            <a:off x="424080" y="424800"/>
-            <a:ext cx="9231480" cy="1262880"/>
+            <a:off x="504000" y="301320"/>
+            <a:ext cx="9072000" cy="1262160"/>
           </a:xfrm>
           <a:prstGeom prst="rect">
             <a:avLst/>
@@ -849,13 +857,14 @@
         <p:txBody>
           <a:bodyPr lIns="0" rIns="0" tIns="0" bIns="0" anchor="ctr"/>
           <a:p>
-            <a:endParaRPr/>
-          </a:p>
-        </p:txBody>
-      </p:sp>
-      <p:sp>
-        <p:nvSpPr>
-          <p:cNvPr id="59" name="PlaceHolder 2"/>
+            <a:pPr algn="ctr"/>
+            <a:endParaRPr/>
+          </a:p>
+        </p:txBody>
+      </p:sp>
+      <p:sp>
+        <p:nvSpPr>
+          <p:cNvPr id="53" name="PlaceHolder 2"/>
           <p:cNvSpPr>
             <a:spLocks noGrp="1"/>
           </p:cNvSpPr>
@@ -881,7 +890,7 @@
       </p:sp>
       <p:sp>
         <p:nvSpPr>
-          <p:cNvPr id="60" name="PlaceHolder 3"/>
+          <p:cNvPr id="54" name="PlaceHolder 3"/>
           <p:cNvSpPr>
             <a:spLocks noGrp="1"/>
           </p:cNvSpPr>
@@ -907,7 +916,7 @@
       </p:sp>
       <p:sp>
         <p:nvSpPr>
-          <p:cNvPr id="61" name="PlaceHolder 4"/>
+          <p:cNvPr id="55" name="PlaceHolder 4"/>
           <p:cNvSpPr>
             <a:spLocks noGrp="1"/>
           </p:cNvSpPr>
@@ -955,7 +964,7 @@
       </p:grpSpPr>
       <p:sp>
         <p:nvSpPr>
-          <p:cNvPr id="8" name="PlaceHolder 1"/>
+          <p:cNvPr id="4" name="PlaceHolder 1"/>
           <p:cNvSpPr>
             <a:spLocks noGrp="1"/>
           </p:cNvSpPr>
@@ -965,8 +974,8 @@
         </p:nvSpPr>
         <p:spPr>
           <a:xfrm>
-            <a:off x="424080" y="424800"/>
-            <a:ext cx="9231480" cy="1262880"/>
+            <a:off x="504000" y="301320"/>
+            <a:ext cx="9072000" cy="1262160"/>
           </a:xfrm>
           <a:prstGeom prst="rect">
             <a:avLst/>
@@ -975,13 +984,14 @@
         <p:txBody>
           <a:bodyPr lIns="0" rIns="0" tIns="0" bIns="0" anchor="ctr"/>
           <a:p>
-            <a:endParaRPr/>
-          </a:p>
-        </p:txBody>
-      </p:sp>
-      <p:sp>
-        <p:nvSpPr>
-          <p:cNvPr id="9" name="PlaceHolder 2"/>
+            <a:pPr algn="ctr"/>
+            <a:endParaRPr/>
+          </a:p>
+        </p:txBody>
+      </p:sp>
+      <p:sp>
+        <p:nvSpPr>
+          <p:cNvPr id="5" name="PlaceHolder 2"/>
           <p:cNvSpPr>
             <a:spLocks noGrp="1"/>
           </p:cNvSpPr>
@@ -992,7 +1002,7 @@
         <p:spPr>
           <a:xfrm>
             <a:off x="504000" y="1768680"/>
-            <a:ext cx="9071640" cy="4384440"/>
+            <a:ext cx="9072000" cy="4384440"/>
           </a:xfrm>
           <a:prstGeom prst="rect">
             <a:avLst/>
@@ -1030,7 +1040,7 @@
       </p:grpSpPr>
       <p:sp>
         <p:nvSpPr>
-          <p:cNvPr id="62" name="PlaceHolder 1"/>
+          <p:cNvPr id="56" name="PlaceHolder 1"/>
           <p:cNvSpPr>
             <a:spLocks noGrp="1"/>
           </p:cNvSpPr>
@@ -1040,8 +1050,8 @@
         </p:nvSpPr>
         <p:spPr>
           <a:xfrm>
-            <a:off x="424080" y="424800"/>
-            <a:ext cx="9231480" cy="1262880"/>
+            <a:off x="504000" y="301320"/>
+            <a:ext cx="9072000" cy="1262160"/>
           </a:xfrm>
           <a:prstGeom prst="rect">
             <a:avLst/>
@@ -1050,13 +1060,14 @@
         <p:txBody>
           <a:bodyPr lIns="0" rIns="0" tIns="0" bIns="0" anchor="ctr"/>
           <a:p>
-            <a:endParaRPr/>
-          </a:p>
-        </p:txBody>
-      </p:sp>
-      <p:sp>
-        <p:nvSpPr>
-          <p:cNvPr id="63" name="PlaceHolder 2"/>
+            <a:pPr algn="ctr"/>
+            <a:endParaRPr/>
+          </a:p>
+        </p:txBody>
+      </p:sp>
+      <p:sp>
+        <p:nvSpPr>
+          <p:cNvPr id="57" name="PlaceHolder 2"/>
           <p:cNvSpPr>
             <a:spLocks noGrp="1"/>
           </p:cNvSpPr>
@@ -1082,7 +1093,7 @@
       </p:sp>
       <p:sp>
         <p:nvSpPr>
-          <p:cNvPr id="64" name="PlaceHolder 3"/>
+          <p:cNvPr id="58" name="PlaceHolder 3"/>
           <p:cNvSpPr>
             <a:spLocks noGrp="1"/>
           </p:cNvSpPr>
@@ -1108,7 +1119,7 @@
       </p:sp>
       <p:sp>
         <p:nvSpPr>
-          <p:cNvPr id="65" name="PlaceHolder 4"/>
+          <p:cNvPr id="59" name="PlaceHolder 4"/>
           <p:cNvSpPr>
             <a:spLocks noGrp="1"/>
           </p:cNvSpPr>
@@ -1156,7 +1167,7 @@
       </p:grpSpPr>
       <p:sp>
         <p:nvSpPr>
-          <p:cNvPr id="66" name="PlaceHolder 1"/>
+          <p:cNvPr id="60" name="PlaceHolder 1"/>
           <p:cNvSpPr>
             <a:spLocks noGrp="1"/>
           </p:cNvSpPr>
@@ -1166,8 +1177,8 @@
         </p:nvSpPr>
         <p:spPr>
           <a:xfrm>
-            <a:off x="424080" y="424800"/>
-            <a:ext cx="9231480" cy="1262880"/>
+            <a:off x="504000" y="301320"/>
+            <a:ext cx="9072000" cy="1262160"/>
           </a:xfrm>
           <a:prstGeom prst="rect">
             <a:avLst/>
@@ -1176,13 +1187,14 @@
         <p:txBody>
           <a:bodyPr lIns="0" rIns="0" tIns="0" bIns="0" anchor="ctr"/>
           <a:p>
-            <a:endParaRPr/>
-          </a:p>
-        </p:txBody>
-      </p:sp>
-      <p:sp>
-        <p:nvSpPr>
-          <p:cNvPr id="67" name="PlaceHolder 2"/>
+            <a:pPr algn="ctr"/>
+            <a:endParaRPr/>
+          </a:p>
+        </p:txBody>
+      </p:sp>
+      <p:sp>
+        <p:nvSpPr>
+          <p:cNvPr id="61" name="PlaceHolder 2"/>
           <p:cNvSpPr>
             <a:spLocks noGrp="1"/>
           </p:cNvSpPr>
@@ -1208,7 +1220,7 @@
       </p:sp>
       <p:sp>
         <p:nvSpPr>
-          <p:cNvPr id="68" name="PlaceHolder 3"/>
+          <p:cNvPr id="62" name="PlaceHolder 3"/>
           <p:cNvSpPr>
             <a:spLocks noGrp="1"/>
           </p:cNvSpPr>
@@ -1234,7 +1246,7 @@
       </p:sp>
       <p:sp>
         <p:nvSpPr>
-          <p:cNvPr id="69" name="PlaceHolder 4"/>
+          <p:cNvPr id="63" name="PlaceHolder 4"/>
           <p:cNvSpPr>
             <a:spLocks noGrp="1"/>
           </p:cNvSpPr>
@@ -1245,7 +1257,7 @@
         <p:spPr>
           <a:xfrm>
             <a:off x="504000" y="4058640"/>
-            <a:ext cx="9071640" cy="2090880"/>
+            <a:ext cx="9072000" cy="2090880"/>
           </a:xfrm>
           <a:prstGeom prst="rect">
             <a:avLst/>
@@ -1282,7 +1294,7 @@
       </p:grpSpPr>
       <p:sp>
         <p:nvSpPr>
-          <p:cNvPr id="70" name="PlaceHolder 1"/>
+          <p:cNvPr id="64" name="PlaceHolder 1"/>
           <p:cNvSpPr>
             <a:spLocks noGrp="1"/>
           </p:cNvSpPr>
@@ -1292,8 +1304,8 @@
         </p:nvSpPr>
         <p:spPr>
           <a:xfrm>
-            <a:off x="424080" y="424800"/>
-            <a:ext cx="9231480" cy="1262880"/>
+            <a:off x="504000" y="301320"/>
+            <a:ext cx="9072000" cy="1262160"/>
           </a:xfrm>
           <a:prstGeom prst="rect">
             <a:avLst/>
@@ -1302,13 +1314,14 @@
         <p:txBody>
           <a:bodyPr lIns="0" rIns="0" tIns="0" bIns="0" anchor="ctr"/>
           <a:p>
-            <a:endParaRPr/>
-          </a:p>
-        </p:txBody>
-      </p:sp>
-      <p:sp>
-        <p:nvSpPr>
-          <p:cNvPr id="71" name="PlaceHolder 2"/>
+            <a:pPr algn="ctr"/>
+            <a:endParaRPr/>
+          </a:p>
+        </p:txBody>
+      </p:sp>
+      <p:sp>
+        <p:nvSpPr>
+          <p:cNvPr id="65" name="PlaceHolder 2"/>
           <p:cNvSpPr>
             <a:spLocks noGrp="1"/>
           </p:cNvSpPr>
@@ -1319,22 +1332,22 @@
         <p:spPr>
           <a:xfrm>
             <a:off x="504000" y="1768680"/>
-            <a:ext cx="9071640" cy="2090880"/>
-          </a:xfrm>
-          <a:prstGeom prst="rect">
-            <a:avLst/>
-          </a:prstGeom>
-        </p:spPr>
-        <p:txBody>
-          <a:bodyPr lIns="0" rIns="0" tIns="0" bIns="0"/>
-          <a:p>
-            <a:endParaRPr/>
-          </a:p>
-        </p:txBody>
-      </p:sp>
-      <p:sp>
-        <p:nvSpPr>
-          <p:cNvPr id="72" name="PlaceHolder 3"/>
+            <a:ext cx="9072000" cy="2090880"/>
+          </a:xfrm>
+          <a:prstGeom prst="rect">
+            <a:avLst/>
+          </a:prstGeom>
+        </p:spPr>
+        <p:txBody>
+          <a:bodyPr lIns="0" rIns="0" tIns="0" bIns="0"/>
+          <a:p>
+            <a:endParaRPr/>
+          </a:p>
+        </p:txBody>
+      </p:sp>
+      <p:sp>
+        <p:nvSpPr>
+          <p:cNvPr id="66" name="PlaceHolder 3"/>
           <p:cNvSpPr>
             <a:spLocks noGrp="1"/>
           </p:cNvSpPr>
@@ -1345,7 +1358,7 @@
         <p:spPr>
           <a:xfrm>
             <a:off x="504000" y="4058640"/>
-            <a:ext cx="9071640" cy="2090880"/>
+            <a:ext cx="9072000" cy="2090880"/>
           </a:xfrm>
           <a:prstGeom prst="rect">
             <a:avLst/>
@@ -1382,7 +1395,7 @@
       </p:grpSpPr>
       <p:sp>
         <p:nvSpPr>
-          <p:cNvPr id="73" name="PlaceHolder 1"/>
+          <p:cNvPr id="67" name="PlaceHolder 1"/>
           <p:cNvSpPr>
             <a:spLocks noGrp="1"/>
           </p:cNvSpPr>
@@ -1392,8 +1405,8 @@
         </p:nvSpPr>
         <p:spPr>
           <a:xfrm>
-            <a:off x="424080" y="424800"/>
-            <a:ext cx="9231480" cy="1262880"/>
+            <a:off x="504000" y="301320"/>
+            <a:ext cx="9072000" cy="1262160"/>
           </a:xfrm>
           <a:prstGeom prst="rect">
             <a:avLst/>
@@ -1402,13 +1415,14 @@
         <p:txBody>
           <a:bodyPr lIns="0" rIns="0" tIns="0" bIns="0" anchor="ctr"/>
           <a:p>
-            <a:endParaRPr/>
-          </a:p>
-        </p:txBody>
-      </p:sp>
-      <p:sp>
-        <p:nvSpPr>
-          <p:cNvPr id="74" name="PlaceHolder 2"/>
+            <a:pPr algn="ctr"/>
+            <a:endParaRPr/>
+          </a:p>
+        </p:txBody>
+      </p:sp>
+      <p:sp>
+        <p:nvSpPr>
+          <p:cNvPr id="68" name="PlaceHolder 2"/>
           <p:cNvSpPr>
             <a:spLocks noGrp="1"/>
           </p:cNvSpPr>
@@ -1434,7 +1448,7 @@
       </p:sp>
       <p:sp>
         <p:nvSpPr>
-          <p:cNvPr id="75" name="PlaceHolder 3"/>
+          <p:cNvPr id="69" name="PlaceHolder 3"/>
           <p:cNvSpPr>
             <a:spLocks noGrp="1"/>
           </p:cNvSpPr>
@@ -1460,7 +1474,7 @@
       </p:sp>
       <p:sp>
         <p:nvSpPr>
-          <p:cNvPr id="76" name="PlaceHolder 4"/>
+          <p:cNvPr id="70" name="PlaceHolder 4"/>
           <p:cNvSpPr>
             <a:spLocks noGrp="1"/>
           </p:cNvSpPr>
@@ -1486,7 +1500,7 @@
       </p:sp>
       <p:sp>
         <p:nvSpPr>
-          <p:cNvPr id="77" name="PlaceHolder 5"/>
+          <p:cNvPr id="71" name="PlaceHolder 5"/>
           <p:cNvSpPr>
             <a:spLocks noGrp="1"/>
           </p:cNvSpPr>
@@ -1534,7 +1548,7 @@
       </p:grpSpPr>
       <p:sp>
         <p:nvSpPr>
-          <p:cNvPr id="78" name="PlaceHolder 1"/>
+          <p:cNvPr id="72" name="PlaceHolder 1"/>
           <p:cNvSpPr>
             <a:spLocks noGrp="1"/>
           </p:cNvSpPr>
@@ -1544,8 +1558,8 @@
         </p:nvSpPr>
         <p:spPr>
           <a:xfrm>
-            <a:off x="424080" y="424800"/>
-            <a:ext cx="9231480" cy="1262880"/>
+            <a:off x="504000" y="301320"/>
+            <a:ext cx="9072000" cy="1262160"/>
           </a:xfrm>
           <a:prstGeom prst="rect">
             <a:avLst/>
@@ -1554,13 +1568,14 @@
         <p:txBody>
           <a:bodyPr lIns="0" rIns="0" tIns="0" bIns="0" anchor="ctr"/>
           <a:p>
-            <a:endParaRPr/>
-          </a:p>
-        </p:txBody>
-      </p:sp>
-      <p:sp>
-        <p:nvSpPr>
-          <p:cNvPr id="79" name="PlaceHolder 2"/>
+            <a:pPr algn="ctr"/>
+            <a:endParaRPr/>
+          </a:p>
+        </p:txBody>
+      </p:sp>
+      <p:sp>
+        <p:nvSpPr>
+          <p:cNvPr id="73" name="PlaceHolder 2"/>
           <p:cNvSpPr>
             <a:spLocks noGrp="1"/>
           </p:cNvSpPr>
@@ -1571,22 +1586,22 @@
         <p:spPr>
           <a:xfrm>
             <a:off x="504000" y="1768680"/>
-            <a:ext cx="9071640" cy="4384080"/>
-          </a:xfrm>
-          <a:prstGeom prst="rect">
-            <a:avLst/>
-          </a:prstGeom>
-        </p:spPr>
-        <p:txBody>
-          <a:bodyPr lIns="0" rIns="0" tIns="0" bIns="0"/>
-          <a:p>
-            <a:endParaRPr/>
-          </a:p>
-        </p:txBody>
-      </p:sp>
-      <p:sp>
-        <p:nvSpPr>
-          <p:cNvPr id="80" name="PlaceHolder 3"/>
+            <a:ext cx="9072000" cy="4384080"/>
+          </a:xfrm>
+          <a:prstGeom prst="rect">
+            <a:avLst/>
+          </a:prstGeom>
+        </p:spPr>
+        <p:txBody>
+          <a:bodyPr lIns="0" rIns="0" tIns="0" bIns="0"/>
+          <a:p>
+            <a:endParaRPr/>
+          </a:p>
+        </p:txBody>
+      </p:sp>
+      <p:sp>
+        <p:nvSpPr>
+          <p:cNvPr id="74" name="PlaceHolder 3"/>
           <p:cNvSpPr>
             <a:spLocks noGrp="1"/>
           </p:cNvSpPr>
@@ -1597,7 +1612,7 @@
         <p:spPr>
           <a:xfrm>
             <a:off x="504000" y="1768680"/>
-            <a:ext cx="9071640" cy="4384080"/>
+            <a:ext cx="9072000" cy="4384080"/>
           </a:xfrm>
           <a:prstGeom prst="rect">
             <a:avLst/>
@@ -1612,7 +1627,7 @@
       </p:sp>
       <p:pic>
         <p:nvPicPr>
-          <p:cNvPr id="81" name="" descr=""/>
+          <p:cNvPr id="75" name="" descr=""/>
           <p:cNvPicPr/>
           <p:nvPr/>
         </p:nvPicPr>
@@ -1624,7 +1639,7 @@
         </p:blipFill>
         <p:spPr>
           <a:xfrm>
-            <a:off x="2292120" y="1768680"/>
+            <a:off x="2292480" y="1768680"/>
             <a:ext cx="5494680" cy="4384080"/>
           </a:xfrm>
           <a:prstGeom prst="rect">
@@ -1637,7 +1652,7 @@
       </p:pic>
       <p:pic>
         <p:nvPicPr>
-          <p:cNvPr id="82" name="" descr=""/>
+          <p:cNvPr id="76" name="" descr=""/>
           <p:cNvPicPr/>
           <p:nvPr/>
         </p:nvPicPr>
@@ -1649,7 +1664,7 @@
         </p:blipFill>
         <p:spPr>
           <a:xfrm>
-            <a:off x="2292120" y="1768680"/>
+            <a:off x="2292480" y="1768680"/>
             <a:ext cx="5494680" cy="4384080"/>
           </a:xfrm>
           <a:prstGeom prst="rect">
@@ -1660,6 +1675,329 @@
           </a:ln>
         </p:spPr>
       </p:pic>
+    </p:spTree>
+  </p:cSld>
+</p:sldLayout>
+</file>
+
+<file path=ppt/slideLayouts/slideLayout25.xml><?xml version="1.0" encoding="utf-8"?>
+<p:sldLayout xmlns:a="http://schemas.openxmlformats.org/drawingml/2006/main" xmlns:p="http://schemas.openxmlformats.org/presentationml/2006/main" xmlns:r="http://schemas.openxmlformats.org/officeDocument/2006/relationships" type="blank" preserve="1">
+  <p:cSld name="Blank Slide">
+    <p:spTree>
+      <p:nvGrpSpPr>
+        <p:cNvPr id="1" name=""/>
+        <p:cNvGrpSpPr/>
+        <p:nvPr/>
+      </p:nvGrpSpPr>
+      <p:grpSpPr>
+        <a:xfrm>
+          <a:off x="0" y="0"/>
+          <a:ext cx="0" cy="0"/>
+          <a:chOff x="0" y="0"/>
+          <a:chExt cx="0" cy="0"/>
+        </a:xfrm>
+      </p:grpSpPr>
+    </p:spTree>
+  </p:cSld>
+</p:sldLayout>
+</file>
+
+<file path=ppt/slideLayouts/slideLayout26.xml><?xml version="1.0" encoding="utf-8"?>
+<p:sldLayout xmlns:a="http://schemas.openxmlformats.org/drawingml/2006/main" xmlns:p="http://schemas.openxmlformats.org/presentationml/2006/main" xmlns:r="http://schemas.openxmlformats.org/officeDocument/2006/relationships" type="tx" preserve="1">
+  <p:cSld name="Title Slide">
+    <p:spTree>
+      <p:nvGrpSpPr>
+        <p:cNvPr id="1" name=""/>
+        <p:cNvGrpSpPr/>
+        <p:nvPr/>
+      </p:nvGrpSpPr>
+      <p:grpSpPr>
+        <a:xfrm>
+          <a:off x="0" y="0"/>
+          <a:ext cx="0" cy="0"/>
+          <a:chOff x="0" y="0"/>
+          <a:chExt cx="0" cy="0"/>
+        </a:xfrm>
+      </p:grpSpPr>
+      <p:sp>
+        <p:nvSpPr>
+          <p:cNvPr id="81" name="PlaceHolder 1"/>
+          <p:cNvSpPr>
+            <a:spLocks noGrp="1"/>
+          </p:cNvSpPr>
+          <p:nvPr>
+            <p:ph type="title"/>
+          </p:nvPr>
+        </p:nvSpPr>
+        <p:spPr>
+          <a:xfrm>
+            <a:off x="504000" y="301320"/>
+            <a:ext cx="9072000" cy="1262160"/>
+          </a:xfrm>
+          <a:prstGeom prst="rect">
+            <a:avLst/>
+          </a:prstGeom>
+        </p:spPr>
+        <p:txBody>
+          <a:bodyPr lIns="0" rIns="0" tIns="0" bIns="0" anchor="ctr"/>
+          <a:p>
+            <a:pPr algn="ctr"/>
+            <a:endParaRPr/>
+          </a:p>
+        </p:txBody>
+      </p:sp>
+      <p:sp>
+        <p:nvSpPr>
+          <p:cNvPr id="82" name="PlaceHolder 2"/>
+          <p:cNvSpPr>
+            <a:spLocks noGrp="1"/>
+          </p:cNvSpPr>
+          <p:nvPr>
+            <p:ph type="subTitle"/>
+          </p:nvPr>
+        </p:nvSpPr>
+        <p:spPr>
+          <a:xfrm>
+            <a:off x="504000" y="1768680"/>
+            <a:ext cx="9072000" cy="4384440"/>
+          </a:xfrm>
+          <a:prstGeom prst="rect">
+            <a:avLst/>
+          </a:prstGeom>
+        </p:spPr>
+        <p:txBody>
+          <a:bodyPr lIns="0" rIns="0" tIns="0" bIns="0" anchor="ctr"/>
+          <a:p>
+            <a:pPr algn="ctr"/>
+            <a:endParaRPr/>
+          </a:p>
+        </p:txBody>
+      </p:sp>
+    </p:spTree>
+  </p:cSld>
+</p:sldLayout>
+</file>
+
+<file path=ppt/slideLayouts/slideLayout27.xml><?xml version="1.0" encoding="utf-8"?>
+<p:sldLayout xmlns:a="http://schemas.openxmlformats.org/drawingml/2006/main" xmlns:p="http://schemas.openxmlformats.org/presentationml/2006/main" xmlns:r="http://schemas.openxmlformats.org/officeDocument/2006/relationships" type="obj" preserve="1">
+  <p:cSld name="Title, Content">
+    <p:spTree>
+      <p:nvGrpSpPr>
+        <p:cNvPr id="1" name=""/>
+        <p:cNvGrpSpPr/>
+        <p:nvPr/>
+      </p:nvGrpSpPr>
+      <p:grpSpPr>
+        <a:xfrm>
+          <a:off x="0" y="0"/>
+          <a:ext cx="0" cy="0"/>
+          <a:chOff x="0" y="0"/>
+          <a:chExt cx="0" cy="0"/>
+        </a:xfrm>
+      </p:grpSpPr>
+      <p:sp>
+        <p:nvSpPr>
+          <p:cNvPr id="83" name="PlaceHolder 1"/>
+          <p:cNvSpPr>
+            <a:spLocks noGrp="1"/>
+          </p:cNvSpPr>
+          <p:nvPr>
+            <p:ph type="title"/>
+          </p:nvPr>
+        </p:nvSpPr>
+        <p:spPr>
+          <a:xfrm>
+            <a:off x="504000" y="301320"/>
+            <a:ext cx="9072000" cy="1262160"/>
+          </a:xfrm>
+          <a:prstGeom prst="rect">
+            <a:avLst/>
+          </a:prstGeom>
+        </p:spPr>
+        <p:txBody>
+          <a:bodyPr lIns="0" rIns="0" tIns="0" bIns="0" anchor="ctr"/>
+          <a:p>
+            <a:pPr algn="ctr"/>
+            <a:endParaRPr/>
+          </a:p>
+        </p:txBody>
+      </p:sp>
+      <p:sp>
+        <p:nvSpPr>
+          <p:cNvPr id="84" name="PlaceHolder 2"/>
+          <p:cNvSpPr>
+            <a:spLocks noGrp="1"/>
+          </p:cNvSpPr>
+          <p:nvPr>
+            <p:ph type="body"/>
+          </p:nvPr>
+        </p:nvSpPr>
+        <p:spPr>
+          <a:xfrm>
+            <a:off x="504000" y="1768680"/>
+            <a:ext cx="9072000" cy="4384080"/>
+          </a:xfrm>
+          <a:prstGeom prst="rect">
+            <a:avLst/>
+          </a:prstGeom>
+        </p:spPr>
+        <p:txBody>
+          <a:bodyPr lIns="0" rIns="0" tIns="0" bIns="0"/>
+          <a:p>
+            <a:endParaRPr/>
+          </a:p>
+        </p:txBody>
+      </p:sp>
+    </p:spTree>
+  </p:cSld>
+</p:sldLayout>
+</file>
+
+<file path=ppt/slideLayouts/slideLayout28.xml><?xml version="1.0" encoding="utf-8"?>
+<p:sldLayout xmlns:a="http://schemas.openxmlformats.org/drawingml/2006/main" xmlns:p="http://schemas.openxmlformats.org/presentationml/2006/main" xmlns:r="http://schemas.openxmlformats.org/officeDocument/2006/relationships" type="twoObj" preserve="1">
+  <p:cSld name="Title, 2 Content">
+    <p:spTree>
+      <p:nvGrpSpPr>
+        <p:cNvPr id="1" name=""/>
+        <p:cNvGrpSpPr/>
+        <p:nvPr/>
+      </p:nvGrpSpPr>
+      <p:grpSpPr>
+        <a:xfrm>
+          <a:off x="0" y="0"/>
+          <a:ext cx="0" cy="0"/>
+          <a:chOff x="0" y="0"/>
+          <a:chExt cx="0" cy="0"/>
+        </a:xfrm>
+      </p:grpSpPr>
+      <p:sp>
+        <p:nvSpPr>
+          <p:cNvPr id="85" name="PlaceHolder 1"/>
+          <p:cNvSpPr>
+            <a:spLocks noGrp="1"/>
+          </p:cNvSpPr>
+          <p:nvPr>
+            <p:ph type="title"/>
+          </p:nvPr>
+        </p:nvSpPr>
+        <p:spPr>
+          <a:xfrm>
+            <a:off x="504000" y="301320"/>
+            <a:ext cx="9072000" cy="1262160"/>
+          </a:xfrm>
+          <a:prstGeom prst="rect">
+            <a:avLst/>
+          </a:prstGeom>
+        </p:spPr>
+        <p:txBody>
+          <a:bodyPr lIns="0" rIns="0" tIns="0" bIns="0" anchor="ctr"/>
+          <a:p>
+            <a:pPr algn="ctr"/>
+            <a:endParaRPr/>
+          </a:p>
+        </p:txBody>
+      </p:sp>
+      <p:sp>
+        <p:nvSpPr>
+          <p:cNvPr id="86" name="PlaceHolder 2"/>
+          <p:cNvSpPr>
+            <a:spLocks noGrp="1"/>
+          </p:cNvSpPr>
+          <p:nvPr>
+            <p:ph type="body"/>
+          </p:nvPr>
+        </p:nvSpPr>
+        <p:spPr>
+          <a:xfrm>
+            <a:off x="504000" y="1768680"/>
+            <a:ext cx="4426920" cy="4384080"/>
+          </a:xfrm>
+          <a:prstGeom prst="rect">
+            <a:avLst/>
+          </a:prstGeom>
+        </p:spPr>
+        <p:txBody>
+          <a:bodyPr lIns="0" rIns="0" tIns="0" bIns="0"/>
+          <a:p>
+            <a:endParaRPr/>
+          </a:p>
+        </p:txBody>
+      </p:sp>
+      <p:sp>
+        <p:nvSpPr>
+          <p:cNvPr id="87" name="PlaceHolder 3"/>
+          <p:cNvSpPr>
+            <a:spLocks noGrp="1"/>
+          </p:cNvSpPr>
+          <p:nvPr>
+            <p:ph type="body"/>
+          </p:nvPr>
+        </p:nvSpPr>
+        <p:spPr>
+          <a:xfrm>
+            <a:off x="5152680" y="1768680"/>
+            <a:ext cx="4426920" cy="4384080"/>
+          </a:xfrm>
+          <a:prstGeom prst="rect">
+            <a:avLst/>
+          </a:prstGeom>
+        </p:spPr>
+        <p:txBody>
+          <a:bodyPr lIns="0" rIns="0" tIns="0" bIns="0"/>
+          <a:p>
+            <a:endParaRPr/>
+          </a:p>
+        </p:txBody>
+      </p:sp>
+    </p:spTree>
+  </p:cSld>
+</p:sldLayout>
+</file>
+
+<file path=ppt/slideLayouts/slideLayout29.xml><?xml version="1.0" encoding="utf-8"?>
+<p:sldLayout xmlns:a="http://schemas.openxmlformats.org/drawingml/2006/main" xmlns:p="http://schemas.openxmlformats.org/presentationml/2006/main" xmlns:r="http://schemas.openxmlformats.org/officeDocument/2006/relationships" type="titleOnly" preserve="1">
+  <p:cSld name="Title Only">
+    <p:spTree>
+      <p:nvGrpSpPr>
+        <p:cNvPr id="1" name=""/>
+        <p:cNvGrpSpPr/>
+        <p:nvPr/>
+      </p:nvGrpSpPr>
+      <p:grpSpPr>
+        <a:xfrm>
+          <a:off x="0" y="0"/>
+          <a:ext cx="0" cy="0"/>
+          <a:chOff x="0" y="0"/>
+          <a:chExt cx="0" cy="0"/>
+        </a:xfrm>
+      </p:grpSpPr>
+      <p:sp>
+        <p:nvSpPr>
+          <p:cNvPr id="88" name="PlaceHolder 1"/>
+          <p:cNvSpPr>
+            <a:spLocks noGrp="1"/>
+          </p:cNvSpPr>
+          <p:nvPr>
+            <p:ph type="title"/>
+          </p:nvPr>
+        </p:nvSpPr>
+        <p:spPr>
+          <a:xfrm>
+            <a:off x="504000" y="301320"/>
+            <a:ext cx="9072000" cy="1262160"/>
+          </a:xfrm>
+          <a:prstGeom prst="rect">
+            <a:avLst/>
+          </a:prstGeom>
+        </p:spPr>
+        <p:txBody>
+          <a:bodyPr lIns="0" rIns="0" tIns="0" bIns="0" anchor="ctr"/>
+          <a:p>
+            <a:pPr algn="ctr"/>
+            <a:endParaRPr/>
+          </a:p>
+        </p:txBody>
+      </p:sp>
     </p:spTree>
   </p:cSld>
 </p:sldLayout>
@@ -1684,7 +2022,7 @@
       </p:grpSpPr>
       <p:sp>
         <p:nvSpPr>
-          <p:cNvPr id="10" name="PlaceHolder 1"/>
+          <p:cNvPr id="6" name="PlaceHolder 1"/>
           <p:cNvSpPr>
             <a:spLocks noGrp="1"/>
           </p:cNvSpPr>
@@ -1694,8 +2032,8 @@
         </p:nvSpPr>
         <p:spPr>
           <a:xfrm>
-            <a:off x="424080" y="424800"/>
-            <a:ext cx="9231480" cy="1262880"/>
+            <a:off x="504000" y="301320"/>
+            <a:ext cx="9072000" cy="1262160"/>
           </a:xfrm>
           <a:prstGeom prst="rect">
             <a:avLst/>
@@ -1704,13 +2042,14 @@
         <p:txBody>
           <a:bodyPr lIns="0" rIns="0" tIns="0" bIns="0" anchor="ctr"/>
           <a:p>
-            <a:endParaRPr/>
-          </a:p>
-        </p:txBody>
-      </p:sp>
-      <p:sp>
-        <p:nvSpPr>
-          <p:cNvPr id="11" name="PlaceHolder 2"/>
+            <a:pPr algn="ctr"/>
+            <a:endParaRPr/>
+          </a:p>
+        </p:txBody>
+      </p:sp>
+      <p:sp>
+        <p:nvSpPr>
+          <p:cNvPr id="7" name="PlaceHolder 2"/>
           <p:cNvSpPr>
             <a:spLocks noGrp="1"/>
           </p:cNvSpPr>
@@ -1721,19 +2060,854 @@
         <p:spPr>
           <a:xfrm>
             <a:off x="504000" y="1768680"/>
-            <a:ext cx="9071640" cy="4384080"/>
-          </a:xfrm>
-          <a:prstGeom prst="rect">
-            <a:avLst/>
-          </a:prstGeom>
-        </p:spPr>
-        <p:txBody>
-          <a:bodyPr lIns="0" rIns="0" tIns="0" bIns="0"/>
-          <a:p>
-            <a:endParaRPr/>
-          </a:p>
-        </p:txBody>
-      </p:sp>
+            <a:ext cx="9072000" cy="4384080"/>
+          </a:xfrm>
+          <a:prstGeom prst="rect">
+            <a:avLst/>
+          </a:prstGeom>
+        </p:spPr>
+        <p:txBody>
+          <a:bodyPr lIns="0" rIns="0" tIns="0" bIns="0"/>
+          <a:p>
+            <a:endParaRPr/>
+          </a:p>
+        </p:txBody>
+      </p:sp>
+    </p:spTree>
+  </p:cSld>
+</p:sldLayout>
+</file>
+
+<file path=ppt/slideLayouts/slideLayout30.xml><?xml version="1.0" encoding="utf-8"?>
+<p:sldLayout xmlns:a="http://schemas.openxmlformats.org/drawingml/2006/main" xmlns:p="http://schemas.openxmlformats.org/presentationml/2006/main" xmlns:r="http://schemas.openxmlformats.org/officeDocument/2006/relationships" type="objOnly" preserve="1">
+  <p:cSld name="Centered Text">
+    <p:spTree>
+      <p:nvGrpSpPr>
+        <p:cNvPr id="1" name=""/>
+        <p:cNvGrpSpPr/>
+        <p:nvPr/>
+      </p:nvGrpSpPr>
+      <p:grpSpPr>
+        <a:xfrm>
+          <a:off x="0" y="0"/>
+          <a:ext cx="0" cy="0"/>
+          <a:chOff x="0" y="0"/>
+          <a:chExt cx="0" cy="0"/>
+        </a:xfrm>
+      </p:grpSpPr>
+      <p:sp>
+        <p:nvSpPr>
+          <p:cNvPr id="89" name="PlaceHolder 1"/>
+          <p:cNvSpPr>
+            <a:spLocks noGrp="1"/>
+          </p:cNvSpPr>
+          <p:nvPr>
+            <p:ph type="subTitle"/>
+          </p:nvPr>
+        </p:nvSpPr>
+        <p:spPr>
+          <a:xfrm>
+            <a:off x="504000" y="301320"/>
+            <a:ext cx="9072000" cy="5850720"/>
+          </a:xfrm>
+          <a:prstGeom prst="rect">
+            <a:avLst/>
+          </a:prstGeom>
+        </p:spPr>
+        <p:txBody>
+          <a:bodyPr lIns="0" rIns="0" tIns="0" bIns="0" anchor="ctr"/>
+          <a:p>
+            <a:pPr algn="ctr"/>
+            <a:endParaRPr/>
+          </a:p>
+        </p:txBody>
+      </p:sp>
+    </p:spTree>
+  </p:cSld>
+</p:sldLayout>
+</file>
+
+<file path=ppt/slideLayouts/slideLayout31.xml><?xml version="1.0" encoding="utf-8"?>
+<p:sldLayout xmlns:a="http://schemas.openxmlformats.org/drawingml/2006/main" xmlns:p="http://schemas.openxmlformats.org/presentationml/2006/main" xmlns:r="http://schemas.openxmlformats.org/officeDocument/2006/relationships" type="twoObjAndObj" preserve="1">
+  <p:cSld name="Title, 2 Content and Content">
+    <p:spTree>
+      <p:nvGrpSpPr>
+        <p:cNvPr id="1" name=""/>
+        <p:cNvGrpSpPr/>
+        <p:nvPr/>
+      </p:nvGrpSpPr>
+      <p:grpSpPr>
+        <a:xfrm>
+          <a:off x="0" y="0"/>
+          <a:ext cx="0" cy="0"/>
+          <a:chOff x="0" y="0"/>
+          <a:chExt cx="0" cy="0"/>
+        </a:xfrm>
+      </p:grpSpPr>
+      <p:sp>
+        <p:nvSpPr>
+          <p:cNvPr id="90" name="PlaceHolder 1"/>
+          <p:cNvSpPr>
+            <a:spLocks noGrp="1"/>
+          </p:cNvSpPr>
+          <p:nvPr>
+            <p:ph type="title"/>
+          </p:nvPr>
+        </p:nvSpPr>
+        <p:spPr>
+          <a:xfrm>
+            <a:off x="504000" y="301320"/>
+            <a:ext cx="9072000" cy="1262160"/>
+          </a:xfrm>
+          <a:prstGeom prst="rect">
+            <a:avLst/>
+          </a:prstGeom>
+        </p:spPr>
+        <p:txBody>
+          <a:bodyPr lIns="0" rIns="0" tIns="0" bIns="0" anchor="ctr"/>
+          <a:p>
+            <a:pPr algn="ctr"/>
+            <a:endParaRPr/>
+          </a:p>
+        </p:txBody>
+      </p:sp>
+      <p:sp>
+        <p:nvSpPr>
+          <p:cNvPr id="91" name="PlaceHolder 2"/>
+          <p:cNvSpPr>
+            <a:spLocks noGrp="1"/>
+          </p:cNvSpPr>
+          <p:nvPr>
+            <p:ph type="body"/>
+          </p:nvPr>
+        </p:nvSpPr>
+        <p:spPr>
+          <a:xfrm>
+            <a:off x="504000" y="1768680"/>
+            <a:ext cx="4426920" cy="2090880"/>
+          </a:xfrm>
+          <a:prstGeom prst="rect">
+            <a:avLst/>
+          </a:prstGeom>
+        </p:spPr>
+        <p:txBody>
+          <a:bodyPr lIns="0" rIns="0" tIns="0" bIns="0"/>
+          <a:p>
+            <a:endParaRPr/>
+          </a:p>
+        </p:txBody>
+      </p:sp>
+      <p:sp>
+        <p:nvSpPr>
+          <p:cNvPr id="92" name="PlaceHolder 3"/>
+          <p:cNvSpPr>
+            <a:spLocks noGrp="1"/>
+          </p:cNvSpPr>
+          <p:nvPr>
+            <p:ph type="body"/>
+          </p:nvPr>
+        </p:nvSpPr>
+        <p:spPr>
+          <a:xfrm>
+            <a:off x="504000" y="4058640"/>
+            <a:ext cx="4426920" cy="2090880"/>
+          </a:xfrm>
+          <a:prstGeom prst="rect">
+            <a:avLst/>
+          </a:prstGeom>
+        </p:spPr>
+        <p:txBody>
+          <a:bodyPr lIns="0" rIns="0" tIns="0" bIns="0"/>
+          <a:p>
+            <a:endParaRPr/>
+          </a:p>
+        </p:txBody>
+      </p:sp>
+      <p:sp>
+        <p:nvSpPr>
+          <p:cNvPr id="93" name="PlaceHolder 4"/>
+          <p:cNvSpPr>
+            <a:spLocks noGrp="1"/>
+          </p:cNvSpPr>
+          <p:nvPr>
+            <p:ph type="body"/>
+          </p:nvPr>
+        </p:nvSpPr>
+        <p:spPr>
+          <a:xfrm>
+            <a:off x="5152680" y="1768680"/>
+            <a:ext cx="4426920" cy="4384080"/>
+          </a:xfrm>
+          <a:prstGeom prst="rect">
+            <a:avLst/>
+          </a:prstGeom>
+        </p:spPr>
+        <p:txBody>
+          <a:bodyPr lIns="0" rIns="0" tIns="0" bIns="0"/>
+          <a:p>
+            <a:endParaRPr/>
+          </a:p>
+        </p:txBody>
+      </p:sp>
+    </p:spTree>
+  </p:cSld>
+</p:sldLayout>
+</file>
+
+<file path=ppt/slideLayouts/slideLayout32.xml><?xml version="1.0" encoding="utf-8"?>
+<p:sldLayout xmlns:a="http://schemas.openxmlformats.org/drawingml/2006/main" xmlns:p="http://schemas.openxmlformats.org/presentationml/2006/main" xmlns:r="http://schemas.openxmlformats.org/officeDocument/2006/relationships" type="objAndTwoObj" preserve="1">
+  <p:cSld name="Title Content and 2 Content">
+    <p:spTree>
+      <p:nvGrpSpPr>
+        <p:cNvPr id="1" name=""/>
+        <p:cNvGrpSpPr/>
+        <p:nvPr/>
+      </p:nvGrpSpPr>
+      <p:grpSpPr>
+        <a:xfrm>
+          <a:off x="0" y="0"/>
+          <a:ext cx="0" cy="0"/>
+          <a:chOff x="0" y="0"/>
+          <a:chExt cx="0" cy="0"/>
+        </a:xfrm>
+      </p:grpSpPr>
+      <p:sp>
+        <p:nvSpPr>
+          <p:cNvPr id="94" name="PlaceHolder 1"/>
+          <p:cNvSpPr>
+            <a:spLocks noGrp="1"/>
+          </p:cNvSpPr>
+          <p:nvPr>
+            <p:ph type="title"/>
+          </p:nvPr>
+        </p:nvSpPr>
+        <p:spPr>
+          <a:xfrm>
+            <a:off x="504000" y="301320"/>
+            <a:ext cx="9072000" cy="1262160"/>
+          </a:xfrm>
+          <a:prstGeom prst="rect">
+            <a:avLst/>
+          </a:prstGeom>
+        </p:spPr>
+        <p:txBody>
+          <a:bodyPr lIns="0" rIns="0" tIns="0" bIns="0" anchor="ctr"/>
+          <a:p>
+            <a:pPr algn="ctr"/>
+            <a:endParaRPr/>
+          </a:p>
+        </p:txBody>
+      </p:sp>
+      <p:sp>
+        <p:nvSpPr>
+          <p:cNvPr id="95" name="PlaceHolder 2"/>
+          <p:cNvSpPr>
+            <a:spLocks noGrp="1"/>
+          </p:cNvSpPr>
+          <p:nvPr>
+            <p:ph type="body"/>
+          </p:nvPr>
+        </p:nvSpPr>
+        <p:spPr>
+          <a:xfrm>
+            <a:off x="504000" y="1768680"/>
+            <a:ext cx="4426920" cy="4384080"/>
+          </a:xfrm>
+          <a:prstGeom prst="rect">
+            <a:avLst/>
+          </a:prstGeom>
+        </p:spPr>
+        <p:txBody>
+          <a:bodyPr lIns="0" rIns="0" tIns="0" bIns="0"/>
+          <a:p>
+            <a:endParaRPr/>
+          </a:p>
+        </p:txBody>
+      </p:sp>
+      <p:sp>
+        <p:nvSpPr>
+          <p:cNvPr id="96" name="PlaceHolder 3"/>
+          <p:cNvSpPr>
+            <a:spLocks noGrp="1"/>
+          </p:cNvSpPr>
+          <p:nvPr>
+            <p:ph type="body"/>
+          </p:nvPr>
+        </p:nvSpPr>
+        <p:spPr>
+          <a:xfrm>
+            <a:off x="5152680" y="1768680"/>
+            <a:ext cx="4426920" cy="2090880"/>
+          </a:xfrm>
+          <a:prstGeom prst="rect">
+            <a:avLst/>
+          </a:prstGeom>
+        </p:spPr>
+        <p:txBody>
+          <a:bodyPr lIns="0" rIns="0" tIns="0" bIns="0"/>
+          <a:p>
+            <a:endParaRPr/>
+          </a:p>
+        </p:txBody>
+      </p:sp>
+      <p:sp>
+        <p:nvSpPr>
+          <p:cNvPr id="97" name="PlaceHolder 4"/>
+          <p:cNvSpPr>
+            <a:spLocks noGrp="1"/>
+          </p:cNvSpPr>
+          <p:nvPr>
+            <p:ph type="body"/>
+          </p:nvPr>
+        </p:nvSpPr>
+        <p:spPr>
+          <a:xfrm>
+            <a:off x="5152680" y="4058640"/>
+            <a:ext cx="4426920" cy="2090880"/>
+          </a:xfrm>
+          <a:prstGeom prst="rect">
+            <a:avLst/>
+          </a:prstGeom>
+        </p:spPr>
+        <p:txBody>
+          <a:bodyPr lIns="0" rIns="0" tIns="0" bIns="0"/>
+          <a:p>
+            <a:endParaRPr/>
+          </a:p>
+        </p:txBody>
+      </p:sp>
+    </p:spTree>
+  </p:cSld>
+</p:sldLayout>
+</file>
+
+<file path=ppt/slideLayouts/slideLayout33.xml><?xml version="1.0" encoding="utf-8"?>
+<p:sldLayout xmlns:a="http://schemas.openxmlformats.org/drawingml/2006/main" xmlns:p="http://schemas.openxmlformats.org/presentationml/2006/main" xmlns:r="http://schemas.openxmlformats.org/officeDocument/2006/relationships" type="twoObjOverTx" preserve="1">
+  <p:cSld name="Title, 2 Content over Content">
+    <p:spTree>
+      <p:nvGrpSpPr>
+        <p:cNvPr id="1" name=""/>
+        <p:cNvGrpSpPr/>
+        <p:nvPr/>
+      </p:nvGrpSpPr>
+      <p:grpSpPr>
+        <a:xfrm>
+          <a:off x="0" y="0"/>
+          <a:ext cx="0" cy="0"/>
+          <a:chOff x="0" y="0"/>
+          <a:chExt cx="0" cy="0"/>
+        </a:xfrm>
+      </p:grpSpPr>
+      <p:sp>
+        <p:nvSpPr>
+          <p:cNvPr id="98" name="PlaceHolder 1"/>
+          <p:cNvSpPr>
+            <a:spLocks noGrp="1"/>
+          </p:cNvSpPr>
+          <p:nvPr>
+            <p:ph type="title"/>
+          </p:nvPr>
+        </p:nvSpPr>
+        <p:spPr>
+          <a:xfrm>
+            <a:off x="504000" y="301320"/>
+            <a:ext cx="9072000" cy="1262160"/>
+          </a:xfrm>
+          <a:prstGeom prst="rect">
+            <a:avLst/>
+          </a:prstGeom>
+        </p:spPr>
+        <p:txBody>
+          <a:bodyPr lIns="0" rIns="0" tIns="0" bIns="0" anchor="ctr"/>
+          <a:p>
+            <a:pPr algn="ctr"/>
+            <a:endParaRPr/>
+          </a:p>
+        </p:txBody>
+      </p:sp>
+      <p:sp>
+        <p:nvSpPr>
+          <p:cNvPr id="99" name="PlaceHolder 2"/>
+          <p:cNvSpPr>
+            <a:spLocks noGrp="1"/>
+          </p:cNvSpPr>
+          <p:nvPr>
+            <p:ph type="body"/>
+          </p:nvPr>
+        </p:nvSpPr>
+        <p:spPr>
+          <a:xfrm>
+            <a:off x="504000" y="1768680"/>
+            <a:ext cx="4426920" cy="2090880"/>
+          </a:xfrm>
+          <a:prstGeom prst="rect">
+            <a:avLst/>
+          </a:prstGeom>
+        </p:spPr>
+        <p:txBody>
+          <a:bodyPr lIns="0" rIns="0" tIns="0" bIns="0"/>
+          <a:p>
+            <a:endParaRPr/>
+          </a:p>
+        </p:txBody>
+      </p:sp>
+      <p:sp>
+        <p:nvSpPr>
+          <p:cNvPr id="100" name="PlaceHolder 3"/>
+          <p:cNvSpPr>
+            <a:spLocks noGrp="1"/>
+          </p:cNvSpPr>
+          <p:nvPr>
+            <p:ph type="body"/>
+          </p:nvPr>
+        </p:nvSpPr>
+        <p:spPr>
+          <a:xfrm>
+            <a:off x="5152680" y="1768680"/>
+            <a:ext cx="4426920" cy="2090880"/>
+          </a:xfrm>
+          <a:prstGeom prst="rect">
+            <a:avLst/>
+          </a:prstGeom>
+        </p:spPr>
+        <p:txBody>
+          <a:bodyPr lIns="0" rIns="0" tIns="0" bIns="0"/>
+          <a:p>
+            <a:endParaRPr/>
+          </a:p>
+        </p:txBody>
+      </p:sp>
+      <p:sp>
+        <p:nvSpPr>
+          <p:cNvPr id="101" name="PlaceHolder 4"/>
+          <p:cNvSpPr>
+            <a:spLocks noGrp="1"/>
+          </p:cNvSpPr>
+          <p:nvPr>
+            <p:ph type="body"/>
+          </p:nvPr>
+        </p:nvSpPr>
+        <p:spPr>
+          <a:xfrm>
+            <a:off x="504000" y="4058640"/>
+            <a:ext cx="9072000" cy="2090880"/>
+          </a:xfrm>
+          <a:prstGeom prst="rect">
+            <a:avLst/>
+          </a:prstGeom>
+        </p:spPr>
+        <p:txBody>
+          <a:bodyPr lIns="0" rIns="0" tIns="0" bIns="0"/>
+          <a:p>
+            <a:endParaRPr/>
+          </a:p>
+        </p:txBody>
+      </p:sp>
+    </p:spTree>
+  </p:cSld>
+</p:sldLayout>
+</file>
+
+<file path=ppt/slideLayouts/slideLayout34.xml><?xml version="1.0" encoding="utf-8"?>
+<p:sldLayout xmlns:a="http://schemas.openxmlformats.org/drawingml/2006/main" xmlns:p="http://schemas.openxmlformats.org/presentationml/2006/main" xmlns:r="http://schemas.openxmlformats.org/officeDocument/2006/relationships" type="objOverTx" preserve="1">
+  <p:cSld name="Title, Content over Content">
+    <p:spTree>
+      <p:nvGrpSpPr>
+        <p:cNvPr id="1" name=""/>
+        <p:cNvGrpSpPr/>
+        <p:nvPr/>
+      </p:nvGrpSpPr>
+      <p:grpSpPr>
+        <a:xfrm>
+          <a:off x="0" y="0"/>
+          <a:ext cx="0" cy="0"/>
+          <a:chOff x="0" y="0"/>
+          <a:chExt cx="0" cy="0"/>
+        </a:xfrm>
+      </p:grpSpPr>
+      <p:sp>
+        <p:nvSpPr>
+          <p:cNvPr id="102" name="PlaceHolder 1"/>
+          <p:cNvSpPr>
+            <a:spLocks noGrp="1"/>
+          </p:cNvSpPr>
+          <p:nvPr>
+            <p:ph type="title"/>
+          </p:nvPr>
+        </p:nvSpPr>
+        <p:spPr>
+          <a:xfrm>
+            <a:off x="504000" y="301320"/>
+            <a:ext cx="9072000" cy="1262160"/>
+          </a:xfrm>
+          <a:prstGeom prst="rect">
+            <a:avLst/>
+          </a:prstGeom>
+        </p:spPr>
+        <p:txBody>
+          <a:bodyPr lIns="0" rIns="0" tIns="0" bIns="0" anchor="ctr"/>
+          <a:p>
+            <a:pPr algn="ctr"/>
+            <a:endParaRPr/>
+          </a:p>
+        </p:txBody>
+      </p:sp>
+      <p:sp>
+        <p:nvSpPr>
+          <p:cNvPr id="103" name="PlaceHolder 2"/>
+          <p:cNvSpPr>
+            <a:spLocks noGrp="1"/>
+          </p:cNvSpPr>
+          <p:nvPr>
+            <p:ph type="body"/>
+          </p:nvPr>
+        </p:nvSpPr>
+        <p:spPr>
+          <a:xfrm>
+            <a:off x="504000" y="1768680"/>
+            <a:ext cx="9072000" cy="2090880"/>
+          </a:xfrm>
+          <a:prstGeom prst="rect">
+            <a:avLst/>
+          </a:prstGeom>
+        </p:spPr>
+        <p:txBody>
+          <a:bodyPr lIns="0" rIns="0" tIns="0" bIns="0"/>
+          <a:p>
+            <a:endParaRPr/>
+          </a:p>
+        </p:txBody>
+      </p:sp>
+      <p:sp>
+        <p:nvSpPr>
+          <p:cNvPr id="104" name="PlaceHolder 3"/>
+          <p:cNvSpPr>
+            <a:spLocks noGrp="1"/>
+          </p:cNvSpPr>
+          <p:nvPr>
+            <p:ph type="body"/>
+          </p:nvPr>
+        </p:nvSpPr>
+        <p:spPr>
+          <a:xfrm>
+            <a:off x="504000" y="4058640"/>
+            <a:ext cx="9072000" cy="2090880"/>
+          </a:xfrm>
+          <a:prstGeom prst="rect">
+            <a:avLst/>
+          </a:prstGeom>
+        </p:spPr>
+        <p:txBody>
+          <a:bodyPr lIns="0" rIns="0" tIns="0" bIns="0"/>
+          <a:p>
+            <a:endParaRPr/>
+          </a:p>
+        </p:txBody>
+      </p:sp>
+    </p:spTree>
+  </p:cSld>
+</p:sldLayout>
+</file>
+
+<file path=ppt/slideLayouts/slideLayout35.xml><?xml version="1.0" encoding="utf-8"?>
+<p:sldLayout xmlns:a="http://schemas.openxmlformats.org/drawingml/2006/main" xmlns:p="http://schemas.openxmlformats.org/presentationml/2006/main" xmlns:r="http://schemas.openxmlformats.org/officeDocument/2006/relationships" type="fourObj" preserve="1">
+  <p:cSld name="Title, 4 Content">
+    <p:spTree>
+      <p:nvGrpSpPr>
+        <p:cNvPr id="1" name=""/>
+        <p:cNvGrpSpPr/>
+        <p:nvPr/>
+      </p:nvGrpSpPr>
+      <p:grpSpPr>
+        <a:xfrm>
+          <a:off x="0" y="0"/>
+          <a:ext cx="0" cy="0"/>
+          <a:chOff x="0" y="0"/>
+          <a:chExt cx="0" cy="0"/>
+        </a:xfrm>
+      </p:grpSpPr>
+      <p:sp>
+        <p:nvSpPr>
+          <p:cNvPr id="105" name="PlaceHolder 1"/>
+          <p:cNvSpPr>
+            <a:spLocks noGrp="1"/>
+          </p:cNvSpPr>
+          <p:nvPr>
+            <p:ph type="title"/>
+          </p:nvPr>
+        </p:nvSpPr>
+        <p:spPr>
+          <a:xfrm>
+            <a:off x="504000" y="301320"/>
+            <a:ext cx="9072000" cy="1262160"/>
+          </a:xfrm>
+          <a:prstGeom prst="rect">
+            <a:avLst/>
+          </a:prstGeom>
+        </p:spPr>
+        <p:txBody>
+          <a:bodyPr lIns="0" rIns="0" tIns="0" bIns="0" anchor="ctr"/>
+          <a:p>
+            <a:pPr algn="ctr"/>
+            <a:endParaRPr/>
+          </a:p>
+        </p:txBody>
+      </p:sp>
+      <p:sp>
+        <p:nvSpPr>
+          <p:cNvPr id="106" name="PlaceHolder 2"/>
+          <p:cNvSpPr>
+            <a:spLocks noGrp="1"/>
+          </p:cNvSpPr>
+          <p:nvPr>
+            <p:ph type="body"/>
+          </p:nvPr>
+        </p:nvSpPr>
+        <p:spPr>
+          <a:xfrm>
+            <a:off x="504000" y="1768680"/>
+            <a:ext cx="4426920" cy="2090880"/>
+          </a:xfrm>
+          <a:prstGeom prst="rect">
+            <a:avLst/>
+          </a:prstGeom>
+        </p:spPr>
+        <p:txBody>
+          <a:bodyPr lIns="0" rIns="0" tIns="0" bIns="0"/>
+          <a:p>
+            <a:endParaRPr/>
+          </a:p>
+        </p:txBody>
+      </p:sp>
+      <p:sp>
+        <p:nvSpPr>
+          <p:cNvPr id="107" name="PlaceHolder 3"/>
+          <p:cNvSpPr>
+            <a:spLocks noGrp="1"/>
+          </p:cNvSpPr>
+          <p:nvPr>
+            <p:ph type="body"/>
+          </p:nvPr>
+        </p:nvSpPr>
+        <p:spPr>
+          <a:xfrm>
+            <a:off x="5152680" y="1768680"/>
+            <a:ext cx="4426920" cy="2090880"/>
+          </a:xfrm>
+          <a:prstGeom prst="rect">
+            <a:avLst/>
+          </a:prstGeom>
+        </p:spPr>
+        <p:txBody>
+          <a:bodyPr lIns="0" rIns="0" tIns="0" bIns="0"/>
+          <a:p>
+            <a:endParaRPr/>
+          </a:p>
+        </p:txBody>
+      </p:sp>
+      <p:sp>
+        <p:nvSpPr>
+          <p:cNvPr id="108" name="PlaceHolder 4"/>
+          <p:cNvSpPr>
+            <a:spLocks noGrp="1"/>
+          </p:cNvSpPr>
+          <p:nvPr>
+            <p:ph type="body"/>
+          </p:nvPr>
+        </p:nvSpPr>
+        <p:spPr>
+          <a:xfrm>
+            <a:off x="5152680" y="4058640"/>
+            <a:ext cx="4426920" cy="2090880"/>
+          </a:xfrm>
+          <a:prstGeom prst="rect">
+            <a:avLst/>
+          </a:prstGeom>
+        </p:spPr>
+        <p:txBody>
+          <a:bodyPr lIns="0" rIns="0" tIns="0" bIns="0"/>
+          <a:p>
+            <a:endParaRPr/>
+          </a:p>
+        </p:txBody>
+      </p:sp>
+      <p:sp>
+        <p:nvSpPr>
+          <p:cNvPr id="109" name="PlaceHolder 5"/>
+          <p:cNvSpPr>
+            <a:spLocks noGrp="1"/>
+          </p:cNvSpPr>
+          <p:nvPr>
+            <p:ph type="body"/>
+          </p:nvPr>
+        </p:nvSpPr>
+        <p:spPr>
+          <a:xfrm>
+            <a:off x="504000" y="4058640"/>
+            <a:ext cx="4426920" cy="2090880"/>
+          </a:xfrm>
+          <a:prstGeom prst="rect">
+            <a:avLst/>
+          </a:prstGeom>
+        </p:spPr>
+        <p:txBody>
+          <a:bodyPr lIns="0" rIns="0" tIns="0" bIns="0"/>
+          <a:p>
+            <a:endParaRPr/>
+          </a:p>
+        </p:txBody>
+      </p:sp>
+    </p:spTree>
+  </p:cSld>
+</p:sldLayout>
+</file>
+
+<file path=ppt/slideLayouts/slideLayout36.xml><?xml version="1.0" encoding="utf-8"?>
+<p:sldLayout xmlns:a="http://schemas.openxmlformats.org/drawingml/2006/main" xmlns:p="http://schemas.openxmlformats.org/presentationml/2006/main" xmlns:r="http://schemas.openxmlformats.org/officeDocument/2006/relationships" type="blank" preserve="1">
+  <p:cSld name="Title, 6 Content">
+    <p:spTree>
+      <p:nvGrpSpPr>
+        <p:cNvPr id="1" name=""/>
+        <p:cNvGrpSpPr/>
+        <p:nvPr/>
+      </p:nvGrpSpPr>
+      <p:grpSpPr>
+        <a:xfrm>
+          <a:off x="0" y="0"/>
+          <a:ext cx="0" cy="0"/>
+          <a:chOff x="0" y="0"/>
+          <a:chExt cx="0" cy="0"/>
+        </a:xfrm>
+      </p:grpSpPr>
+      <p:sp>
+        <p:nvSpPr>
+          <p:cNvPr id="110" name="PlaceHolder 1"/>
+          <p:cNvSpPr>
+            <a:spLocks noGrp="1"/>
+          </p:cNvSpPr>
+          <p:nvPr>
+            <p:ph type="title"/>
+          </p:nvPr>
+        </p:nvSpPr>
+        <p:spPr>
+          <a:xfrm>
+            <a:off x="504000" y="301320"/>
+            <a:ext cx="9072000" cy="1262160"/>
+          </a:xfrm>
+          <a:prstGeom prst="rect">
+            <a:avLst/>
+          </a:prstGeom>
+        </p:spPr>
+        <p:txBody>
+          <a:bodyPr lIns="0" rIns="0" tIns="0" bIns="0" anchor="ctr"/>
+          <a:p>
+            <a:pPr algn="ctr"/>
+            <a:endParaRPr/>
+          </a:p>
+        </p:txBody>
+      </p:sp>
+      <p:sp>
+        <p:nvSpPr>
+          <p:cNvPr id="111" name="PlaceHolder 2"/>
+          <p:cNvSpPr>
+            <a:spLocks noGrp="1"/>
+          </p:cNvSpPr>
+          <p:nvPr>
+            <p:ph type="body"/>
+          </p:nvPr>
+        </p:nvSpPr>
+        <p:spPr>
+          <a:xfrm>
+            <a:off x="504000" y="1768680"/>
+            <a:ext cx="9072000" cy="4384080"/>
+          </a:xfrm>
+          <a:prstGeom prst="rect">
+            <a:avLst/>
+          </a:prstGeom>
+        </p:spPr>
+        <p:txBody>
+          <a:bodyPr lIns="0" rIns="0" tIns="0" bIns="0"/>
+          <a:p>
+            <a:endParaRPr/>
+          </a:p>
+        </p:txBody>
+      </p:sp>
+      <p:sp>
+        <p:nvSpPr>
+          <p:cNvPr id="112" name="PlaceHolder 3"/>
+          <p:cNvSpPr>
+            <a:spLocks noGrp="1"/>
+          </p:cNvSpPr>
+          <p:nvPr>
+            <p:ph type="body"/>
+          </p:nvPr>
+        </p:nvSpPr>
+        <p:spPr>
+          <a:xfrm>
+            <a:off x="504000" y="1768680"/>
+            <a:ext cx="9072000" cy="4384080"/>
+          </a:xfrm>
+          <a:prstGeom prst="rect">
+            <a:avLst/>
+          </a:prstGeom>
+        </p:spPr>
+        <p:txBody>
+          <a:bodyPr lIns="0" rIns="0" tIns="0" bIns="0"/>
+          <a:p>
+            <a:endParaRPr/>
+          </a:p>
+        </p:txBody>
+      </p:sp>
+      <p:pic>
+        <p:nvPicPr>
+          <p:cNvPr id="113" name="" descr=""/>
+          <p:cNvPicPr/>
+          <p:nvPr/>
+        </p:nvPicPr>
+        <p:blipFill>
+          <a:blip r:embed="rId2"/>
+          <a:stretch>
+            <a:fillRect/>
+          </a:stretch>
+        </p:blipFill>
+        <p:spPr>
+          <a:xfrm>
+            <a:off x="2292480" y="1768680"/>
+            <a:ext cx="5494680" cy="4384080"/>
+          </a:xfrm>
+          <a:prstGeom prst="rect">
+            <a:avLst/>
+          </a:prstGeom>
+          <a:ln>
+            <a:noFill/>
+          </a:ln>
+        </p:spPr>
+      </p:pic>
+      <p:pic>
+        <p:nvPicPr>
+          <p:cNvPr id="114" name="" descr=""/>
+          <p:cNvPicPr/>
+          <p:nvPr/>
+        </p:nvPicPr>
+        <p:blipFill>
+          <a:blip r:embed="rId3"/>
+          <a:stretch>
+            <a:fillRect/>
+          </a:stretch>
+        </p:blipFill>
+        <p:spPr>
+          <a:xfrm>
+            <a:off x="2292480" y="1768680"/>
+            <a:ext cx="5494680" cy="4384080"/>
+          </a:xfrm>
+          <a:prstGeom prst="rect">
+            <a:avLst/>
+          </a:prstGeom>
+          <a:ln>
+            <a:noFill/>
+          </a:ln>
+        </p:spPr>
+      </p:pic>
     </p:spTree>
   </p:cSld>
 </p:sldLayout>
@@ -1758,7 +2932,7 @@
       </p:grpSpPr>
       <p:sp>
         <p:nvSpPr>
-          <p:cNvPr id="12" name="PlaceHolder 1"/>
+          <p:cNvPr id="8" name="PlaceHolder 1"/>
           <p:cNvSpPr>
             <a:spLocks noGrp="1"/>
           </p:cNvSpPr>
@@ -1768,8 +2942,8 @@
         </p:nvSpPr>
         <p:spPr>
           <a:xfrm>
-            <a:off x="424080" y="424800"/>
-            <a:ext cx="9231480" cy="1262880"/>
+            <a:off x="504000" y="301320"/>
+            <a:ext cx="9072000" cy="1262160"/>
           </a:xfrm>
           <a:prstGeom prst="rect">
             <a:avLst/>
@@ -1778,13 +2952,14 @@
         <p:txBody>
           <a:bodyPr lIns="0" rIns="0" tIns="0" bIns="0" anchor="ctr"/>
           <a:p>
-            <a:endParaRPr/>
-          </a:p>
-        </p:txBody>
-      </p:sp>
-      <p:sp>
-        <p:nvSpPr>
-          <p:cNvPr id="13" name="PlaceHolder 2"/>
+            <a:pPr algn="ctr"/>
+            <a:endParaRPr/>
+          </a:p>
+        </p:txBody>
+      </p:sp>
+      <p:sp>
+        <p:nvSpPr>
+          <p:cNvPr id="9" name="PlaceHolder 2"/>
           <p:cNvSpPr>
             <a:spLocks noGrp="1"/>
           </p:cNvSpPr>
@@ -1810,7 +2985,7 @@
       </p:sp>
       <p:sp>
         <p:nvSpPr>
-          <p:cNvPr id="14" name="PlaceHolder 3"/>
+          <p:cNvPr id="10" name="PlaceHolder 3"/>
           <p:cNvSpPr>
             <a:spLocks noGrp="1"/>
           </p:cNvSpPr>
@@ -1858,7 +3033,7 @@
       </p:grpSpPr>
       <p:sp>
         <p:nvSpPr>
-          <p:cNvPr id="15" name="PlaceHolder 1"/>
+          <p:cNvPr id="11" name="PlaceHolder 1"/>
           <p:cNvSpPr>
             <a:spLocks noGrp="1"/>
           </p:cNvSpPr>
@@ -1868,8 +3043,8 @@
         </p:nvSpPr>
         <p:spPr>
           <a:xfrm>
-            <a:off x="424080" y="424800"/>
-            <a:ext cx="9231480" cy="1262880"/>
+            <a:off x="504000" y="301320"/>
+            <a:ext cx="9072000" cy="1262160"/>
           </a:xfrm>
           <a:prstGeom prst="rect">
             <a:avLst/>
@@ -1878,6 +3053,7 @@
         <p:txBody>
           <a:bodyPr lIns="0" rIns="0" tIns="0" bIns="0" anchor="ctr"/>
           <a:p>
+            <a:pPr algn="ctr"/>
             <a:endParaRPr/>
           </a:p>
         </p:txBody>
@@ -1906,7 +3082,7 @@
       </p:grpSpPr>
       <p:sp>
         <p:nvSpPr>
-          <p:cNvPr id="16" name="PlaceHolder 1"/>
+          <p:cNvPr id="12" name="PlaceHolder 1"/>
           <p:cNvSpPr>
             <a:spLocks noGrp="1"/>
           </p:cNvSpPr>
@@ -1916,8 +3092,8 @@
         </p:nvSpPr>
         <p:spPr>
           <a:xfrm>
-            <a:off x="424080" y="424800"/>
-            <a:ext cx="9231480" cy="5853960"/>
+            <a:off x="504000" y="301320"/>
+            <a:ext cx="9072000" cy="5850720"/>
           </a:xfrm>
           <a:prstGeom prst="rect">
             <a:avLst/>
@@ -1955,7 +3131,7 @@
       </p:grpSpPr>
       <p:sp>
         <p:nvSpPr>
-          <p:cNvPr id="17" name="PlaceHolder 1"/>
+          <p:cNvPr id="13" name="PlaceHolder 1"/>
           <p:cNvSpPr>
             <a:spLocks noGrp="1"/>
           </p:cNvSpPr>
@@ -1965,8 +3141,8 @@
         </p:nvSpPr>
         <p:spPr>
           <a:xfrm>
-            <a:off x="424080" y="424800"/>
-            <a:ext cx="9231480" cy="1262880"/>
+            <a:off x="504000" y="301320"/>
+            <a:ext cx="9072000" cy="1262160"/>
           </a:xfrm>
           <a:prstGeom prst="rect">
             <a:avLst/>
@@ -1975,13 +3151,14 @@
         <p:txBody>
           <a:bodyPr lIns="0" rIns="0" tIns="0" bIns="0" anchor="ctr"/>
           <a:p>
-            <a:endParaRPr/>
-          </a:p>
-        </p:txBody>
-      </p:sp>
-      <p:sp>
-        <p:nvSpPr>
-          <p:cNvPr id="18" name="PlaceHolder 2"/>
+            <a:pPr algn="ctr"/>
+            <a:endParaRPr/>
+          </a:p>
+        </p:txBody>
+      </p:sp>
+      <p:sp>
+        <p:nvSpPr>
+          <p:cNvPr id="14" name="PlaceHolder 2"/>
           <p:cNvSpPr>
             <a:spLocks noGrp="1"/>
           </p:cNvSpPr>
@@ -2007,7 +3184,7 @@
       </p:sp>
       <p:sp>
         <p:nvSpPr>
-          <p:cNvPr id="19" name="PlaceHolder 3"/>
+          <p:cNvPr id="15" name="PlaceHolder 3"/>
           <p:cNvSpPr>
             <a:spLocks noGrp="1"/>
           </p:cNvSpPr>
@@ -2033,7 +3210,7 @@
       </p:sp>
       <p:sp>
         <p:nvSpPr>
-          <p:cNvPr id="20" name="PlaceHolder 4"/>
+          <p:cNvPr id="16" name="PlaceHolder 4"/>
           <p:cNvSpPr>
             <a:spLocks noGrp="1"/>
           </p:cNvSpPr>
@@ -2081,7 +3258,7 @@
       </p:grpSpPr>
       <p:sp>
         <p:nvSpPr>
-          <p:cNvPr id="21" name="PlaceHolder 1"/>
+          <p:cNvPr id="17" name="PlaceHolder 1"/>
           <p:cNvSpPr>
             <a:spLocks noGrp="1"/>
           </p:cNvSpPr>
@@ -2091,8 +3268,8 @@
         </p:nvSpPr>
         <p:spPr>
           <a:xfrm>
-            <a:off x="424080" y="424800"/>
-            <a:ext cx="9231480" cy="1262880"/>
+            <a:off x="504000" y="301320"/>
+            <a:ext cx="9072000" cy="1262160"/>
           </a:xfrm>
           <a:prstGeom prst="rect">
             <a:avLst/>
@@ -2101,13 +3278,14 @@
         <p:txBody>
           <a:bodyPr lIns="0" rIns="0" tIns="0" bIns="0" anchor="ctr"/>
           <a:p>
-            <a:endParaRPr/>
-          </a:p>
-        </p:txBody>
-      </p:sp>
-      <p:sp>
-        <p:nvSpPr>
-          <p:cNvPr id="22" name="PlaceHolder 2"/>
+            <a:pPr algn="ctr"/>
+            <a:endParaRPr/>
+          </a:p>
+        </p:txBody>
+      </p:sp>
+      <p:sp>
+        <p:nvSpPr>
+          <p:cNvPr id="18" name="PlaceHolder 2"/>
           <p:cNvSpPr>
             <a:spLocks noGrp="1"/>
           </p:cNvSpPr>
@@ -2133,7 +3311,7 @@
       </p:sp>
       <p:sp>
         <p:nvSpPr>
-          <p:cNvPr id="23" name="PlaceHolder 3"/>
+          <p:cNvPr id="19" name="PlaceHolder 3"/>
           <p:cNvSpPr>
             <a:spLocks noGrp="1"/>
           </p:cNvSpPr>
@@ -2159,7 +3337,7 @@
       </p:sp>
       <p:sp>
         <p:nvSpPr>
-          <p:cNvPr id="24" name="PlaceHolder 4"/>
+          <p:cNvPr id="20" name="PlaceHolder 4"/>
           <p:cNvSpPr>
             <a:spLocks noGrp="1"/>
           </p:cNvSpPr>
@@ -2207,7 +3385,7 @@
       </p:grpSpPr>
       <p:sp>
         <p:nvSpPr>
-          <p:cNvPr id="25" name="PlaceHolder 1"/>
+          <p:cNvPr id="21" name="PlaceHolder 1"/>
           <p:cNvSpPr>
             <a:spLocks noGrp="1"/>
           </p:cNvSpPr>
@@ -2217,8 +3395,8 @@
         </p:nvSpPr>
         <p:spPr>
           <a:xfrm>
-            <a:off x="424080" y="424800"/>
-            <a:ext cx="9231480" cy="1262880"/>
+            <a:off x="504000" y="301320"/>
+            <a:ext cx="9072000" cy="1262160"/>
           </a:xfrm>
           <a:prstGeom prst="rect">
             <a:avLst/>
@@ -2227,13 +3405,14 @@
         <p:txBody>
           <a:bodyPr lIns="0" rIns="0" tIns="0" bIns="0" anchor="ctr"/>
           <a:p>
-            <a:endParaRPr/>
-          </a:p>
-        </p:txBody>
-      </p:sp>
-      <p:sp>
-        <p:nvSpPr>
-          <p:cNvPr id="26" name="PlaceHolder 2"/>
+            <a:pPr algn="ctr"/>
+            <a:endParaRPr/>
+          </a:p>
+        </p:txBody>
+      </p:sp>
+      <p:sp>
+        <p:nvSpPr>
+          <p:cNvPr id="22" name="PlaceHolder 2"/>
           <p:cNvSpPr>
             <a:spLocks noGrp="1"/>
           </p:cNvSpPr>
@@ -2259,7 +3438,7 @@
       </p:sp>
       <p:sp>
         <p:nvSpPr>
-          <p:cNvPr id="27" name="PlaceHolder 3"/>
+          <p:cNvPr id="23" name="PlaceHolder 3"/>
           <p:cNvSpPr>
             <a:spLocks noGrp="1"/>
           </p:cNvSpPr>
@@ -2285,7 +3464,7 @@
       </p:sp>
       <p:sp>
         <p:nvSpPr>
-          <p:cNvPr id="28" name="PlaceHolder 4"/>
+          <p:cNvPr id="24" name="PlaceHolder 4"/>
           <p:cNvSpPr>
             <a:spLocks noGrp="1"/>
           </p:cNvSpPr>
@@ -2296,7 +3475,7 @@
         <p:spPr>
           <a:xfrm>
             <a:off x="504000" y="4058640"/>
-            <a:ext cx="9071640" cy="2090880"/>
+            <a:ext cx="9072000" cy="2090880"/>
           </a:xfrm>
           <a:prstGeom prst="rect">
             <a:avLst/>
@@ -2347,7 +3526,7 @@
         <p:spPr>
           <a:xfrm>
             <a:off x="392400" y="1333800"/>
-            <a:ext cx="9279720" cy="360"/>
+            <a:ext cx="9279360" cy="360"/>
           </a:xfrm>
           <a:prstGeom prst="rect">
             <a:avLst/>
@@ -2370,7 +3549,7 @@
         <p:spPr>
           <a:xfrm>
             <a:off x="4471560" y="6964560"/>
-            <a:ext cx="1135800" cy="356400"/>
+            <a:ext cx="1135440" cy="356040"/>
           </a:xfrm>
           <a:prstGeom prst="rect">
             <a:avLst/>
@@ -2398,19 +3577,20 @@
         </p:nvSpPr>
         <p:spPr>
           <a:xfrm>
-            <a:off x="424080" y="424800"/>
-            <a:ext cx="9231480" cy="684720"/>
-          </a:xfrm>
-          <a:prstGeom prst="rect">
-            <a:avLst/>
-          </a:prstGeom>
-        </p:spPr>
-        <p:txBody>
-          <a:bodyPr lIns="0" rIns="0" tIns="0" bIns="0"/>
-          <a:p>
-            <a:r>
-              <a:rPr lang="en-IN" sz="3000">
-                <a:latin typeface="Calibri"/>
+            <a:off x="504000" y="301320"/>
+            <a:ext cx="9072000" cy="1261800"/>
+          </a:xfrm>
+          <a:prstGeom prst="rect">
+            <a:avLst/>
+          </a:prstGeom>
+        </p:spPr>
+        <p:txBody>
+          <a:bodyPr lIns="0" rIns="0" tIns="0" bIns="0" anchor="ctr"/>
+          <a:p>
+            <a:pPr algn="ctr"/>
+            <a:r>
+              <a:rPr lang="en-IN" sz="4400">
+                <a:latin typeface="Arial"/>
               </a:rPr>
               <a:t>Click to edit the title text format</a:t>
             </a:r>
@@ -2430,8 +3610,8 @@
         </p:nvSpPr>
         <p:spPr>
           <a:xfrm>
-            <a:off x="504000" y="1738440"/>
-            <a:ext cx="4384440" cy="6491880"/>
+            <a:off x="504000" y="1768680"/>
+            <a:ext cx="9072000" cy="4384080"/>
           </a:xfrm>
           <a:prstGeom prst="rect">
             <a:avLst/>
@@ -2446,8 +3626,8 @@
               <a:buChar char=""/>
             </a:pPr>
             <a:r>
-              <a:rPr lang="en-IN">
-                <a:latin typeface="Calibri"/>
+              <a:rPr lang="en-IN" sz="3200">
+                <a:latin typeface="Arial"/>
               </a:rPr>
               <a:t>Click to edit the outline text format</a:t>
             </a:r>
@@ -2460,8 +3640,8 @@
               <a:buChar char=""/>
             </a:pPr>
             <a:r>
-              <a:rPr lang="en-IN">
-                <a:latin typeface="Calibri"/>
+              <a:rPr lang="en-IN" sz="2800">
+                <a:latin typeface="Arial"/>
               </a:rPr>
               <a:t>Second Outline Level</a:t>
             </a:r>
@@ -2474,8 +3654,8 @@
               <a:buChar char=""/>
             </a:pPr>
             <a:r>
-              <a:rPr lang="en-IN">
-                <a:latin typeface="Calibri"/>
+              <a:rPr lang="en-IN" sz="2400">
+                <a:latin typeface="Arial"/>
               </a:rPr>
               <a:t>Third Outline Level</a:t>
             </a:r>
@@ -2488,8 +3668,8 @@
               <a:buChar char=""/>
             </a:pPr>
             <a:r>
-              <a:rPr lang="en-IN">
-                <a:latin typeface="Calibri"/>
+              <a:rPr lang="en-IN" sz="2000">
+                <a:latin typeface="Arial"/>
               </a:rPr>
               <a:t>Fourth Outline Level</a:t>
             </a:r>
@@ -2502,8 +3682,8 @@
               <a:buChar char=""/>
             </a:pPr>
             <a:r>
-              <a:rPr lang="en-IN">
-                <a:latin typeface="Calibri"/>
+              <a:rPr lang="en-IN" sz="2000">
+                <a:latin typeface="Arial"/>
               </a:rPr>
               <a:t>Fifth Outline Level</a:t>
             </a:r>
@@ -2516,8 +3696,8 @@
               <a:buChar char=""/>
             </a:pPr>
             <a:r>
-              <a:rPr lang="en-IN">
-                <a:latin typeface="Calibri"/>
+              <a:rPr lang="en-IN" sz="2000">
+                <a:latin typeface="Arial"/>
               </a:rPr>
               <a:t>Sixth Outline Level</a:t>
             </a:r>
@@ -2530,224 +3710,11 @@
               <a:buChar char=""/>
             </a:pPr>
             <a:r>
-              <a:rPr lang="en-IN">
-                <a:latin typeface="Calibri"/>
+              <a:rPr lang="en-IN" sz="2000">
+                <a:latin typeface="Arial"/>
               </a:rPr>
               <a:t>Seventh Outline Level</a:t>
             </a:r>
-            <a:endParaRPr/>
-          </a:p>
-        </p:txBody>
-      </p:sp>
-      <p:sp>
-        <p:nvSpPr>
-          <p:cNvPr id="4" name="PlaceHolder 5"/>
-          <p:cNvSpPr>
-            <a:spLocks noGrp="1"/>
-          </p:cNvSpPr>
-          <p:nvPr>
-            <p:ph type="body"/>
-          </p:nvPr>
-        </p:nvSpPr>
-        <p:spPr>
-          <a:xfrm>
-            <a:off x="5191200" y="1738440"/>
-            <a:ext cx="4384440" cy="6615360"/>
-          </a:xfrm>
-          <a:prstGeom prst="rect">
-            <a:avLst/>
-          </a:prstGeom>
-        </p:spPr>
-        <p:txBody>
-          <a:bodyPr lIns="0" rIns="0" tIns="0" bIns="0"/>
-          <a:p>
-            <a:pPr>
-              <a:buSzPct val="45000"/>
-              <a:buFont typeface="StarSymbol"/>
-              <a:buChar char=""/>
-            </a:pPr>
-            <a:r>
-              <a:rPr lang="en-IN">
-                <a:latin typeface="Calibri"/>
-              </a:rPr>
-              <a:t>Click to edit the outline text format</a:t>
-            </a:r>
-            <a:endParaRPr/>
-          </a:p>
-          <a:p>
-            <a:pPr lvl="1">
-              <a:buSzPct val="75000"/>
-              <a:buFont typeface="StarSymbol"/>
-              <a:buChar char=""/>
-            </a:pPr>
-            <a:r>
-              <a:rPr lang="en-IN">
-                <a:latin typeface="Calibri"/>
-              </a:rPr>
-              <a:t>Second Outline Level</a:t>
-            </a:r>
-            <a:endParaRPr/>
-          </a:p>
-          <a:p>
-            <a:pPr lvl="2">
-              <a:buSzPct val="45000"/>
-              <a:buFont typeface="StarSymbol"/>
-              <a:buChar char=""/>
-            </a:pPr>
-            <a:r>
-              <a:rPr lang="en-IN">
-                <a:latin typeface="Calibri"/>
-              </a:rPr>
-              <a:t>Third Outline Level</a:t>
-            </a:r>
-            <a:endParaRPr/>
-          </a:p>
-          <a:p>
-            <a:pPr lvl="3">
-              <a:buSzPct val="75000"/>
-              <a:buFont typeface="StarSymbol"/>
-              <a:buChar char=""/>
-            </a:pPr>
-            <a:r>
-              <a:rPr lang="en-IN">
-                <a:latin typeface="Calibri"/>
-              </a:rPr>
-              <a:t>Fourth Outline Level</a:t>
-            </a:r>
-            <a:endParaRPr/>
-          </a:p>
-          <a:p>
-            <a:pPr lvl="4">
-              <a:buSzPct val="45000"/>
-              <a:buFont typeface="StarSymbol"/>
-              <a:buChar char=""/>
-            </a:pPr>
-            <a:r>
-              <a:rPr lang="en-IN">
-                <a:latin typeface="Calibri"/>
-              </a:rPr>
-              <a:t>Fifth Outline Level</a:t>
-            </a:r>
-            <a:endParaRPr/>
-          </a:p>
-          <a:p>
-            <a:pPr lvl="5">
-              <a:buSzPct val="45000"/>
-              <a:buFont typeface="StarSymbol"/>
-              <a:buChar char=""/>
-            </a:pPr>
-            <a:r>
-              <a:rPr lang="en-IN">
-                <a:latin typeface="Calibri"/>
-              </a:rPr>
-              <a:t>Sixth Outline Level</a:t>
-            </a:r>
-            <a:endParaRPr/>
-          </a:p>
-          <a:p>
-            <a:pPr lvl="6">
-              <a:buSzPct val="45000"/>
-              <a:buFont typeface="StarSymbol"/>
-              <a:buChar char=""/>
-            </a:pPr>
-            <a:r>
-              <a:rPr lang="en-IN">
-                <a:latin typeface="Calibri"/>
-              </a:rPr>
-              <a:t>Seventh Outline Level</a:t>
-            </a:r>
-            <a:endParaRPr/>
-          </a:p>
-        </p:txBody>
-      </p:sp>
-      <p:sp>
-        <p:nvSpPr>
-          <p:cNvPr id="5" name="PlaceHolder 6"/>
-          <p:cNvSpPr>
-            <a:spLocks noGrp="1"/>
-          </p:cNvSpPr>
-          <p:nvPr>
-            <p:ph type="ftr"/>
-          </p:nvPr>
-        </p:nvSpPr>
-        <p:spPr>
-          <a:xfrm>
-            <a:off x="3427200" y="7030080"/>
-            <a:ext cx="3225240" cy="377280"/>
-          </a:xfrm>
-          <a:prstGeom prst="rect">
-            <a:avLst/>
-          </a:prstGeom>
-        </p:spPr>
-        <p:txBody>
-          <a:bodyPr lIns="0" rIns="0" tIns="0" bIns="0"/>
-          <a:p>
-            <a:endParaRPr/>
-          </a:p>
-        </p:txBody>
-      </p:sp>
-      <p:sp>
-        <p:nvSpPr>
-          <p:cNvPr id="6" name="PlaceHolder 7"/>
-          <p:cNvSpPr>
-            <a:spLocks noGrp="1"/>
-          </p:cNvSpPr>
-          <p:nvPr>
-            <p:ph type="dt"/>
-          </p:nvPr>
-        </p:nvSpPr>
-        <p:spPr>
-          <a:xfrm>
-            <a:off x="504000" y="7030080"/>
-            <a:ext cx="2318040" cy="377280"/>
-          </a:xfrm>
-          <a:prstGeom prst="rect">
-            <a:avLst/>
-          </a:prstGeom>
-        </p:spPr>
-        <p:txBody>
-          <a:bodyPr lIns="0" rIns="0" tIns="0" bIns="0"/>
-          <a:p>
-            <a:endParaRPr/>
-          </a:p>
-        </p:txBody>
-      </p:sp>
-      <p:sp>
-        <p:nvSpPr>
-          <p:cNvPr id="7" name="PlaceHolder 8"/>
-          <p:cNvSpPr>
-            <a:spLocks noGrp="1"/>
-          </p:cNvSpPr>
-          <p:nvPr>
-            <p:ph type="sldNum"/>
-          </p:nvPr>
-        </p:nvSpPr>
-        <p:spPr>
-          <a:xfrm>
-            <a:off x="7257600" y="7030080"/>
-            <a:ext cx="2318040" cy="377280"/>
-          </a:xfrm>
-          <a:prstGeom prst="rect">
-            <a:avLst/>
-          </a:prstGeom>
-        </p:spPr>
-        <p:txBody>
-          <a:bodyPr lIns="0" rIns="0" tIns="0" bIns="0"/>
-          <a:p>
-            <a:pPr algn="r">
-              <a:lnSpc>
-                <a:spcPct val="100000"/>
-              </a:lnSpc>
-            </a:pPr>
-            <a:fld id="{4517D16A-377B-4686-BCE8-562C03DFFEA3}" type="slidenum">
-              <a:rPr lang="en-IN" sz="1400">
-                <a:solidFill>
-                  <a:srgbClr val="b2b2b2"/>
-                </a:solidFill>
-                <a:latin typeface="Times New Roman"/>
-              </a:rPr>
-              <a:t>&lt;number&gt;</a:t>
-            </a:fld>
             <a:endParaRPr/>
           </a:p>
         </p:txBody>
@@ -2798,14 +3765,14 @@
       </p:grpSpPr>
       <p:sp>
         <p:nvSpPr>
-          <p:cNvPr id="42" name="CustomShape 1"/>
+          <p:cNvPr id="38" name="CustomShape 1"/>
           <p:cNvSpPr/>
           <p:nvPr/>
         </p:nvSpPr>
         <p:spPr>
           <a:xfrm>
             <a:off x="392400" y="1333800"/>
-            <a:ext cx="9279720" cy="360"/>
+            <a:ext cx="9279360" cy="360"/>
           </a:xfrm>
           <a:prstGeom prst="rect">
             <a:avLst/>
@@ -2821,14 +3788,14 @@
       </p:sp>
       <p:sp>
         <p:nvSpPr>
-          <p:cNvPr id="43" name="CustomShape 2"/>
+          <p:cNvPr id="39" name="CustomShape 2"/>
           <p:cNvSpPr/>
           <p:nvPr/>
         </p:nvSpPr>
         <p:spPr>
           <a:xfrm>
             <a:off x="4471560" y="6964560"/>
-            <a:ext cx="1135800" cy="356400"/>
+            <a:ext cx="1135440" cy="356040"/>
           </a:xfrm>
           <a:prstGeom prst="rect">
             <a:avLst/>
@@ -2846,7 +3813,7 @@
       </p:sp>
       <p:sp>
         <p:nvSpPr>
-          <p:cNvPr id="44" name="PlaceHolder 3"/>
+          <p:cNvPr id="40" name="PlaceHolder 3"/>
           <p:cNvSpPr>
             <a:spLocks noGrp="1"/>
           </p:cNvSpPr>
@@ -2857,18 +3824,18 @@
         <p:spPr>
           <a:xfrm>
             <a:off x="424080" y="424800"/>
-            <a:ext cx="9231480" cy="1262520"/>
-          </a:xfrm>
-          <a:prstGeom prst="rect">
-            <a:avLst/>
-          </a:prstGeom>
-        </p:spPr>
-        <p:txBody>
-          <a:bodyPr lIns="0" rIns="0" tIns="0" bIns="0"/>
-          <a:p>
-            <a:r>
-              <a:rPr lang="en-IN" sz="3000">
-                <a:latin typeface="Calibri"/>
+            <a:ext cx="9231120" cy="1262520"/>
+          </a:xfrm>
+          <a:prstGeom prst="rect">
+            <a:avLst/>
+          </a:prstGeom>
+        </p:spPr>
+        <p:txBody>
+          <a:bodyPr lIns="0" rIns="0" tIns="0" bIns="0" anchor="ctr"/>
+          <a:p>
+            <a:r>
+              <a:rPr lang="en-IN">
+                <a:latin typeface="Arial"/>
               </a:rPr>
               <a:t>Click to edit the title text format</a:t>
             </a:r>
@@ -2878,99 +3845,7 @@
       </p:sp>
       <p:sp>
         <p:nvSpPr>
-          <p:cNvPr id="45" name="PlaceHolder 4"/>
-          <p:cNvSpPr>
-            <a:spLocks noGrp="1"/>
-          </p:cNvSpPr>
-          <p:nvPr>
-            <p:ph type="ftr"/>
-          </p:nvPr>
-        </p:nvSpPr>
-        <p:spPr>
-          <a:xfrm>
-            <a:off x="3427200" y="7030080"/>
-            <a:ext cx="3225240" cy="377280"/>
-          </a:xfrm>
-          <a:prstGeom prst="rect">
-            <a:avLst/>
-          </a:prstGeom>
-        </p:spPr>
-        <p:txBody>
-          <a:bodyPr lIns="0" rIns="0" tIns="0" bIns="0"/>
-          <a:p>
-            <a:endParaRPr/>
-          </a:p>
-        </p:txBody>
-      </p:sp>
-      <p:sp>
-        <p:nvSpPr>
-          <p:cNvPr id="46" name="PlaceHolder 5"/>
-          <p:cNvSpPr>
-            <a:spLocks noGrp="1"/>
-          </p:cNvSpPr>
-          <p:nvPr>
-            <p:ph type="dt"/>
-          </p:nvPr>
-        </p:nvSpPr>
-        <p:spPr>
-          <a:xfrm>
-            <a:off x="504000" y="7030080"/>
-            <a:ext cx="2318040" cy="377280"/>
-          </a:xfrm>
-          <a:prstGeom prst="rect">
-            <a:avLst/>
-          </a:prstGeom>
-        </p:spPr>
-        <p:txBody>
-          <a:bodyPr lIns="0" rIns="0" tIns="0" bIns="0"/>
-          <a:p>
-            <a:endParaRPr/>
-          </a:p>
-        </p:txBody>
-      </p:sp>
-      <p:sp>
-        <p:nvSpPr>
-          <p:cNvPr id="47" name="PlaceHolder 6"/>
-          <p:cNvSpPr>
-            <a:spLocks noGrp="1"/>
-          </p:cNvSpPr>
-          <p:nvPr>
-            <p:ph type="sldNum"/>
-          </p:nvPr>
-        </p:nvSpPr>
-        <p:spPr>
-          <a:xfrm>
-            <a:off x="7257600" y="7030080"/>
-            <a:ext cx="2318040" cy="377280"/>
-          </a:xfrm>
-          <a:prstGeom prst="rect">
-            <a:avLst/>
-          </a:prstGeom>
-        </p:spPr>
-        <p:txBody>
-          <a:bodyPr lIns="0" rIns="0" tIns="0" bIns="0"/>
-          <a:p>
-            <a:pPr algn="r">
-              <a:lnSpc>
-                <a:spcPct val="100000"/>
-              </a:lnSpc>
-            </a:pPr>
-            <a:fld id="{12F63081-639F-4D2A-AA8F-C49DC966B801}" type="slidenum">
-              <a:rPr lang="en-IN" sz="1400">
-                <a:solidFill>
-                  <a:srgbClr val="b2b2b2"/>
-                </a:solidFill>
-                <a:latin typeface="Times New Roman"/>
-              </a:rPr>
-              <a:t>&lt;number&gt;</a:t>
-            </a:fld>
-            <a:endParaRPr/>
-          </a:p>
-        </p:txBody>
-      </p:sp>
-      <p:sp>
-        <p:nvSpPr>
-          <p:cNvPr id="48" name="PlaceHolder 7"/>
+          <p:cNvPr id="41" name="PlaceHolder 4"/>
           <p:cNvSpPr>
             <a:spLocks noGrp="1"/>
           </p:cNvSpPr>
@@ -2981,7 +3856,7 @@
         <p:spPr>
           <a:xfrm>
             <a:off x="504000" y="1768680"/>
-            <a:ext cx="9071640" cy="4384080"/>
+            <a:ext cx="4426560" cy="4383720"/>
           </a:xfrm>
           <a:prstGeom prst="rect">
             <a:avLst/>
@@ -2996,8 +3871,8 @@
               <a:buChar char=""/>
             </a:pPr>
             <a:r>
-              <a:rPr lang="en-IN" sz="2650">
-                <a:latin typeface="Calibri"/>
+              <a:rPr lang="en-IN">
+                <a:latin typeface="Arial"/>
               </a:rPr>
               <a:t>Click to edit the outline text format</a:t>
             </a:r>
@@ -3010,8 +3885,8 @@
               <a:buChar char=""/>
             </a:pPr>
             <a:r>
-              <a:rPr lang="en-IN" sz="2650">
-                <a:latin typeface="Calibri"/>
+              <a:rPr lang="en-IN">
+                <a:latin typeface="Arial"/>
               </a:rPr>
               <a:t>Second Outline Level</a:t>
             </a:r>
@@ -3024,8 +3899,8 @@
               <a:buChar char=""/>
             </a:pPr>
             <a:r>
-              <a:rPr lang="en-IN" sz="2650">
-                <a:latin typeface="Calibri"/>
+              <a:rPr lang="en-IN">
+                <a:latin typeface="Arial"/>
               </a:rPr>
               <a:t>Third Outline Level</a:t>
             </a:r>
@@ -3038,8 +3913,8 @@
               <a:buChar char=""/>
             </a:pPr>
             <a:r>
-              <a:rPr lang="en-IN" sz="2650">
-                <a:latin typeface="Calibri"/>
+              <a:rPr lang="en-IN">
+                <a:latin typeface="Arial"/>
               </a:rPr>
               <a:t>Fourth Outline Level</a:t>
             </a:r>
@@ -3052,8 +3927,8 @@
               <a:buChar char=""/>
             </a:pPr>
             <a:r>
-              <a:rPr lang="en-IN" sz="2940">
-                <a:latin typeface="Calibri"/>
+              <a:rPr lang="en-IN">
+                <a:latin typeface="Arial"/>
               </a:rPr>
               <a:t>Fifth Outline Level</a:t>
             </a:r>
@@ -3066,8 +3941,8 @@
               <a:buChar char=""/>
             </a:pPr>
             <a:r>
-              <a:rPr lang="en-IN" sz="2940">
-                <a:latin typeface="Calibri"/>
+              <a:rPr lang="en-IN">
+                <a:latin typeface="Arial"/>
               </a:rPr>
               <a:t>Sixth Outline Level</a:t>
             </a:r>
@@ -3080,8 +3955,129 @@
               <a:buChar char=""/>
             </a:pPr>
             <a:r>
-              <a:rPr lang="en-IN" sz="2940">
-                <a:latin typeface="Calibri"/>
+              <a:rPr lang="en-IN">
+                <a:latin typeface="Arial"/>
+              </a:rPr>
+              <a:t>Seventh Outline Level</a:t>
+            </a:r>
+            <a:endParaRPr/>
+          </a:p>
+        </p:txBody>
+      </p:sp>
+      <p:sp>
+        <p:nvSpPr>
+          <p:cNvPr id="42" name="PlaceHolder 5"/>
+          <p:cNvSpPr>
+            <a:spLocks noGrp="1"/>
+          </p:cNvSpPr>
+          <p:nvPr>
+            <p:ph type="body"/>
+          </p:nvPr>
+        </p:nvSpPr>
+        <p:spPr>
+          <a:xfrm>
+            <a:off x="5152680" y="1768680"/>
+            <a:ext cx="4426560" cy="4383720"/>
+          </a:xfrm>
+          <a:prstGeom prst="rect">
+            <a:avLst/>
+          </a:prstGeom>
+        </p:spPr>
+        <p:txBody>
+          <a:bodyPr lIns="0" rIns="0" tIns="0" bIns="0"/>
+          <a:p>
+            <a:pPr>
+              <a:buSzPct val="45000"/>
+              <a:buFont typeface="StarSymbol"/>
+              <a:buChar char=""/>
+            </a:pPr>
+            <a:r>
+              <a:rPr lang="en-IN">
+                <a:latin typeface="Arial"/>
+              </a:rPr>
+              <a:t>Click to edit the outline text format</a:t>
+            </a:r>
+            <a:endParaRPr/>
+          </a:p>
+          <a:p>
+            <a:pPr lvl="1">
+              <a:buSzPct val="75000"/>
+              <a:buFont typeface="StarSymbol"/>
+              <a:buChar char=""/>
+            </a:pPr>
+            <a:r>
+              <a:rPr lang="en-IN">
+                <a:latin typeface="Arial"/>
+              </a:rPr>
+              <a:t>Second Outline Level</a:t>
+            </a:r>
+            <a:endParaRPr/>
+          </a:p>
+          <a:p>
+            <a:pPr lvl="2">
+              <a:buSzPct val="45000"/>
+              <a:buFont typeface="StarSymbol"/>
+              <a:buChar char=""/>
+            </a:pPr>
+            <a:r>
+              <a:rPr lang="en-IN">
+                <a:latin typeface="Arial"/>
+              </a:rPr>
+              <a:t>Third Outline Level</a:t>
+            </a:r>
+            <a:endParaRPr/>
+          </a:p>
+          <a:p>
+            <a:pPr lvl="3">
+              <a:buSzPct val="75000"/>
+              <a:buFont typeface="StarSymbol"/>
+              <a:buChar char=""/>
+            </a:pPr>
+            <a:r>
+              <a:rPr lang="en-IN">
+                <a:latin typeface="Arial"/>
+              </a:rPr>
+              <a:t>Fourth Outline Level</a:t>
+            </a:r>
+            <a:endParaRPr/>
+          </a:p>
+          <a:p>
+            <a:pPr lvl="4">
+              <a:buSzPct val="45000"/>
+              <a:buFont typeface="StarSymbol"/>
+              <a:buChar char=""/>
+            </a:pPr>
+            <a:r>
+              <a:rPr lang="en-IN">
+                <a:latin typeface="Arial"/>
+              </a:rPr>
+              <a:t>Fifth Outline Level</a:t>
+            </a:r>
+            <a:endParaRPr/>
+          </a:p>
+          <a:p>
+            <a:pPr lvl="5">
+              <a:buSzPct val="45000"/>
+              <a:buFont typeface="StarSymbol"/>
+              <a:buChar char=""/>
+            </a:pPr>
+            <a:r>
+              <a:rPr lang="en-IN">
+                <a:latin typeface="Arial"/>
+              </a:rPr>
+              <a:t>Sixth Outline Level</a:t>
+            </a:r>
+            <a:endParaRPr/>
+          </a:p>
+          <a:p>
+            <a:pPr lvl="6">
+              <a:buSzPct val="45000"/>
+              <a:buFont typeface="StarSymbol"/>
+              <a:buChar char=""/>
+            </a:pPr>
+            <a:r>
+              <a:rPr lang="en-IN">
+                <a:latin typeface="Arial"/>
               </a:rPr>
               <a:t>Seventh Outline Level</a:t>
             </a:r>
@@ -3105,6 +4101,252 @@
     <p:sldLayoutId id="2147483671" r:id="rId12"/>
     <p:sldLayoutId id="2147483672" r:id="rId13"/>
     <p:sldLayoutId id="2147483673" r:id="rId14"/>
+  </p:sldLayoutIdLst>
+</p:sldMaster>
+</file>
+
+<file path=ppt/slideMasters/slideMaster3.xml><?xml version="1.0" encoding="utf-8"?>
+<p:sldMaster xmlns:a="http://schemas.openxmlformats.org/drawingml/2006/main" xmlns:p="http://schemas.openxmlformats.org/presentationml/2006/main" xmlns:r="http://schemas.openxmlformats.org/officeDocument/2006/relationships">
+  <p:cSld>
+    <p:bg>
+      <p:bgPr>
+        <a:solidFill>
+          <a:srgbClr val="ffffff"/>
+        </a:solidFill>
+      </p:bgPr>
+    </p:bg>
+    <p:spTree>
+      <p:nvGrpSpPr>
+        <p:cNvPr id="1" name=""/>
+        <p:cNvGrpSpPr/>
+        <p:nvPr/>
+      </p:nvGrpSpPr>
+      <p:grpSpPr>
+        <a:xfrm>
+          <a:off x="0" y="0"/>
+          <a:ext cx="0" cy="0"/>
+          <a:chOff x="0" y="0"/>
+          <a:chExt cx="0" cy="0"/>
+        </a:xfrm>
+      </p:grpSpPr>
+      <p:sp>
+        <p:nvSpPr>
+          <p:cNvPr id="77" name="CustomShape 1"/>
+          <p:cNvSpPr/>
+          <p:nvPr/>
+        </p:nvSpPr>
+        <p:spPr>
+          <a:xfrm>
+            <a:off x="392400" y="1333800"/>
+            <a:ext cx="9279360" cy="360"/>
+          </a:xfrm>
+          <a:prstGeom prst="rect">
+            <a:avLst/>
+          </a:prstGeom>
+          <a:noFill/>
+          <a:ln w="9360">
+            <a:solidFill>
+              <a:srgbClr val="595959"/>
+            </a:solidFill>
+            <a:round/>
+          </a:ln>
+        </p:spPr>
+      </p:sp>
+      <p:sp>
+        <p:nvSpPr>
+          <p:cNvPr id="78" name="CustomShape 2"/>
+          <p:cNvSpPr/>
+          <p:nvPr/>
+        </p:nvSpPr>
+        <p:spPr>
+          <a:xfrm>
+            <a:off x="4471560" y="6964560"/>
+            <a:ext cx="1135440" cy="356040"/>
+          </a:xfrm>
+          <a:prstGeom prst="rect">
+            <a:avLst/>
+          </a:prstGeom>
+          <a:blipFill>
+            <a:blip r:embed="rId2"/>
+            <a:stretch>
+              <a:fillRect/>
+            </a:stretch>
+          </a:blipFill>
+          <a:ln>
+            <a:noFill/>
+          </a:ln>
+        </p:spPr>
+      </p:sp>
+      <p:sp>
+        <p:nvSpPr>
+          <p:cNvPr id="79" name="PlaceHolder 3"/>
+          <p:cNvSpPr>
+            <a:spLocks noGrp="1"/>
+          </p:cNvSpPr>
+          <p:nvPr>
+            <p:ph type="title"/>
+          </p:nvPr>
+        </p:nvSpPr>
+        <p:spPr>
+          <a:xfrm>
+            <a:off x="504000" y="301320"/>
+            <a:ext cx="9072000" cy="1261800"/>
+          </a:xfrm>
+          <a:prstGeom prst="rect">
+            <a:avLst/>
+          </a:prstGeom>
+        </p:spPr>
+        <p:txBody>
+          <a:bodyPr lIns="0" rIns="0" tIns="0" bIns="0" anchor="ctr"/>
+          <a:p>
+            <a:pPr algn="ctr"/>
+            <a:r>
+              <a:rPr lang="en-IN" sz="4400">
+                <a:latin typeface="Arial"/>
+              </a:rPr>
+              <a:t>Click to edit the title text format</a:t>
+            </a:r>
+            <a:endParaRPr/>
+          </a:p>
+        </p:txBody>
+      </p:sp>
+      <p:sp>
+        <p:nvSpPr>
+          <p:cNvPr id="80" name="PlaceHolder 4"/>
+          <p:cNvSpPr>
+            <a:spLocks noGrp="1"/>
+          </p:cNvSpPr>
+          <p:nvPr>
+            <p:ph type="body"/>
+          </p:nvPr>
+        </p:nvSpPr>
+        <p:spPr>
+          <a:xfrm>
+            <a:off x="504000" y="1768680"/>
+            <a:ext cx="9072000" cy="4384080"/>
+          </a:xfrm>
+          <a:prstGeom prst="rect">
+            <a:avLst/>
+          </a:prstGeom>
+        </p:spPr>
+        <p:txBody>
+          <a:bodyPr lIns="0" rIns="0" tIns="0" bIns="0"/>
+          <a:p>
+            <a:pPr>
+              <a:buSzPct val="45000"/>
+              <a:buFont typeface="StarSymbol"/>
+              <a:buChar char=""/>
+            </a:pPr>
+            <a:r>
+              <a:rPr lang="en-IN" sz="3200">
+                <a:latin typeface="Arial"/>
+              </a:rPr>
+              <a:t>Click to edit the outline text format</a:t>
+            </a:r>
+            <a:endParaRPr/>
+          </a:p>
+          <a:p>
+            <a:pPr lvl="1">
+              <a:buSzPct val="75000"/>
+              <a:buFont typeface="StarSymbol"/>
+              <a:buChar char=""/>
+            </a:pPr>
+            <a:r>
+              <a:rPr lang="en-IN" sz="2800">
+                <a:latin typeface="Arial"/>
+              </a:rPr>
+              <a:t>Second Outline Level</a:t>
+            </a:r>
+            <a:endParaRPr/>
+          </a:p>
+          <a:p>
+            <a:pPr lvl="2">
+              <a:buSzPct val="45000"/>
+              <a:buFont typeface="StarSymbol"/>
+              <a:buChar char=""/>
+            </a:pPr>
+            <a:r>
+              <a:rPr lang="en-IN" sz="2400">
+                <a:latin typeface="Arial"/>
+              </a:rPr>
+              <a:t>Third Outline Level</a:t>
+            </a:r>
+            <a:endParaRPr/>
+          </a:p>
+          <a:p>
+            <a:pPr lvl="3">
+              <a:buSzPct val="75000"/>
+              <a:buFont typeface="StarSymbol"/>
+              <a:buChar char=""/>
+            </a:pPr>
+            <a:r>
+              <a:rPr lang="en-IN" sz="2000">
+                <a:latin typeface="Arial"/>
+              </a:rPr>
+              <a:t>Fourth Outline Level</a:t>
+            </a:r>
+            <a:endParaRPr/>
+          </a:p>
+          <a:p>
+            <a:pPr lvl="4">
+              <a:buSzPct val="45000"/>
+              <a:buFont typeface="StarSymbol"/>
+              <a:buChar char=""/>
+            </a:pPr>
+            <a:r>
+              <a:rPr lang="en-IN" sz="2000">
+                <a:latin typeface="Arial"/>
+              </a:rPr>
+              <a:t>Fifth Outline Level</a:t>
+            </a:r>
+            <a:endParaRPr/>
+          </a:p>
+          <a:p>
+            <a:pPr lvl="5">
+              <a:buSzPct val="45000"/>
+              <a:buFont typeface="StarSymbol"/>
+              <a:buChar char=""/>
+            </a:pPr>
+            <a:r>
+              <a:rPr lang="en-IN" sz="2000">
+                <a:latin typeface="Arial"/>
+              </a:rPr>
+              <a:t>Sixth Outline Level</a:t>
+            </a:r>
+            <a:endParaRPr/>
+          </a:p>
+          <a:p>
+            <a:pPr lvl="6">
+              <a:buSzPct val="45000"/>
+              <a:buFont typeface="StarSymbol"/>
+              <a:buChar char=""/>
+            </a:pPr>
+            <a:r>
+              <a:rPr lang="en-IN" sz="2000">
+                <a:latin typeface="Arial"/>
+              </a:rPr>
+              <a:t>Seventh Outline Level</a:t>
+            </a:r>
+            <a:endParaRPr/>
+          </a:p>
+        </p:txBody>
+      </p:sp>
+    </p:spTree>
+  </p:cSld>
+  <p:clrMap bg1="lt1" bg2="lt2" tx1="dk1" tx2="dk2" accent1="accent1" accent2="accent2" accent3="accent3" accent4="accent4" accent5="accent5" accent6="accent6" hlink="hlink" folHlink="folHlink"/>
+  <p:sldLayoutIdLst>
+    <p:sldLayoutId id="2147483675" r:id="rId3"/>
+    <p:sldLayoutId id="2147483676" r:id="rId4"/>
+    <p:sldLayoutId id="2147483677" r:id="rId5"/>
+    <p:sldLayoutId id="2147483678" r:id="rId6"/>
+    <p:sldLayoutId id="2147483679" r:id="rId7"/>
+    <p:sldLayoutId id="2147483680" r:id="rId8"/>
+    <p:sldLayoutId id="2147483681" r:id="rId9"/>
+    <p:sldLayoutId id="2147483682" r:id="rId10"/>
+    <p:sldLayoutId id="2147483683" r:id="rId11"/>
+    <p:sldLayoutId id="2147483684" r:id="rId12"/>
+    <p:sldLayoutId id="2147483685" r:id="rId13"/>
+    <p:sldLayoutId id="2147483686" r:id="rId14"/>
   </p:sldLayoutIdLst>
 </p:sldMaster>
 </file>
@@ -3135,18 +4377,22 @@
       </p:grpSpPr>
       <p:sp>
         <p:nvSpPr>
-          <p:cNvPr id="83" name="TextShape 1"/>
-          <p:cNvSpPr txBox="1"/>
+          <p:cNvPr id="115" name="CustomShape 1"/>
+          <p:cNvSpPr/>
           <p:nvPr/>
         </p:nvSpPr>
         <p:spPr>
           <a:xfrm>
             <a:off x="424080" y="424800"/>
-            <a:ext cx="9231480" cy="1262520"/>
-          </a:xfrm>
-          <a:prstGeom prst="rect">
-            <a:avLst/>
-          </a:prstGeom>
+            <a:ext cx="9231120" cy="1262160"/>
+          </a:xfrm>
+          <a:prstGeom prst="rect">
+            <a:avLst/>
+          </a:prstGeom>
+          <a:noFill/>
+          <a:ln>
+            <a:noFill/>
+          </a:ln>
         </p:spPr>
         <p:txBody>
           <a:bodyPr lIns="0" rIns="0" tIns="0" bIns="0"/>
@@ -3163,31 +4409,22 @@
                 </a:solidFill>
                 <a:latin typeface="Arial"/>
               </a:rPr>
-              <a:t>Project Name –</a:t>
-            </a:r>
-            <a:r>
-              <a:rPr b="1" lang="en-IN" sz="3000">
-                <a:solidFill>
-                  <a:srgbClr val="666666"/>
-                </a:solidFill>
-                <a:latin typeface="Arial"/>
-              </a:rPr>
-              <a:t> ShopAssist (FinTech)</a:t>
-            </a:r>
-            <a:endParaRPr/>
-          </a:p>
-        </p:txBody>
-      </p:sp>
-      <p:sp>
-        <p:nvSpPr>
-          <p:cNvPr id="84" name="CustomShape 2"/>
+              <a:t>Project Name – ShopAssist (FinTech)</a:t>
+            </a:r>
+            <a:endParaRPr/>
+          </a:p>
+        </p:txBody>
+      </p:sp>
+      <p:sp>
+        <p:nvSpPr>
+          <p:cNvPr id="116" name="CustomShape 2"/>
           <p:cNvSpPr/>
           <p:nvPr/>
         </p:nvSpPr>
         <p:spPr>
           <a:xfrm>
             <a:off x="1734480" y="1806120"/>
-            <a:ext cx="1638000" cy="403920"/>
+            <a:ext cx="1637640" cy="403560"/>
           </a:xfrm>
           <a:prstGeom prst="rect">
             <a:avLst/>
@@ -3212,8 +4449,39 @@
                 </a:solidFill>
                 <a:latin typeface="Arial"/>
               </a:rPr>
-              <a:t>Brief</a:t>
-            </a:r>
+              <a:t>Brief Synopsis</a:t>
+            </a:r>
+            <a:endParaRPr/>
+          </a:p>
+        </p:txBody>
+      </p:sp>
+      <p:sp>
+        <p:nvSpPr>
+          <p:cNvPr id="117" name="CustomShape 3"/>
+          <p:cNvSpPr/>
+          <p:nvPr/>
+        </p:nvSpPr>
+        <p:spPr>
+          <a:xfrm>
+            <a:off x="6656400" y="1806120"/>
+            <a:ext cx="1511280" cy="403560"/>
+          </a:xfrm>
+          <a:prstGeom prst="rect">
+            <a:avLst/>
+          </a:prstGeom>
+          <a:noFill/>
+          <a:ln>
+            <a:noFill/>
+          </a:ln>
+        </p:spPr>
+        <p:txBody>
+          <a:bodyPr lIns="0" rIns="0" tIns="0" bIns="0"/>
+          <a:p>
+            <a:pPr>
+              <a:lnSpc>
+                <a:spcPct val="100000"/>
+              </a:lnSpc>
+            </a:pPr>
             <a:r>
               <a:rPr lang="en-IN">
                 <a:solidFill>
@@ -3221,31 +4489,22 @@
                 </a:solidFill>
                 <a:latin typeface="Arial"/>
               </a:rPr>
-              <a:t> </a:t>
-            </a:r>
-            <a:r>
-              <a:rPr lang="en-IN">
-                <a:solidFill>
-                  <a:srgbClr val="666666"/>
-                </a:solidFill>
-                <a:latin typeface="Arial"/>
-              </a:rPr>
-              <a:t>Synopsis</a:t>
-            </a:r>
-            <a:endParaRPr/>
-          </a:p>
-        </p:txBody>
-      </p:sp>
-      <p:sp>
-        <p:nvSpPr>
-          <p:cNvPr id="85" name="CustomShape 3"/>
+              <a:t>Team Details</a:t>
+            </a:r>
+            <a:endParaRPr/>
+          </a:p>
+        </p:txBody>
+      </p:sp>
+      <p:sp>
+        <p:nvSpPr>
+          <p:cNvPr id="118" name="CustomShape 4"/>
           <p:cNvSpPr/>
           <p:nvPr/>
         </p:nvSpPr>
         <p:spPr>
           <a:xfrm>
-            <a:off x="6656400" y="1806120"/>
-            <a:ext cx="1511640" cy="403920"/>
+            <a:off x="476280" y="2453400"/>
+            <a:ext cx="4444200" cy="4001760"/>
           </a:xfrm>
           <a:prstGeom prst="rect">
             <a:avLst/>
@@ -3263,64 +4522,6 @@
                 <a:spcPct val="100000"/>
               </a:lnSpc>
             </a:pPr>
-            <a:r>
-              <a:rPr lang="en-IN">
-                <a:solidFill>
-                  <a:srgbClr val="666666"/>
-                </a:solidFill>
-                <a:latin typeface="Arial"/>
-              </a:rPr>
-              <a:t>Team</a:t>
-            </a:r>
-            <a:r>
-              <a:rPr lang="en-IN">
-                <a:solidFill>
-                  <a:srgbClr val="666666"/>
-                </a:solidFill>
-                <a:latin typeface="Arial"/>
-              </a:rPr>
-              <a:t> </a:t>
-            </a:r>
-            <a:r>
-              <a:rPr lang="en-IN">
-                <a:solidFill>
-                  <a:srgbClr val="666666"/>
-                </a:solidFill>
-                <a:latin typeface="Arial"/>
-              </a:rPr>
-              <a:t>Details</a:t>
-            </a:r>
-            <a:endParaRPr/>
-          </a:p>
-        </p:txBody>
-      </p:sp>
-      <p:sp>
-        <p:nvSpPr>
-          <p:cNvPr id="86" name="CustomShape 4"/>
-          <p:cNvSpPr/>
-          <p:nvPr/>
-        </p:nvSpPr>
-        <p:spPr>
-          <a:xfrm>
-            <a:off x="476280" y="2453400"/>
-            <a:ext cx="4444560" cy="4002120"/>
-          </a:xfrm>
-          <a:prstGeom prst="rect">
-            <a:avLst/>
-          </a:prstGeom>
-          <a:noFill/>
-          <a:ln>
-            <a:noFill/>
-          </a:ln>
-        </p:spPr>
-        <p:txBody>
-          <a:bodyPr lIns="0" rIns="0" tIns="0" bIns="0"/>
-          <a:p>
-            <a:pPr>
-              <a:lnSpc>
-                <a:spcPct val="100000"/>
-              </a:lnSpc>
-            </a:pPr>
             <a:endParaRPr/>
           </a:p>
           <a:p>
@@ -3344,14 +4545,14 @@
       </p:sp>
       <p:sp>
         <p:nvSpPr>
-          <p:cNvPr id="87" name="CustomShape 5"/>
+          <p:cNvPr id="119" name="CustomShape 5"/>
           <p:cNvSpPr/>
           <p:nvPr/>
         </p:nvSpPr>
         <p:spPr>
           <a:xfrm>
             <a:off x="5472000" y="2520000"/>
-            <a:ext cx="4176000" cy="3816000"/>
+            <a:ext cx="4175640" cy="3815640"/>
           </a:xfrm>
           <a:prstGeom prst="rect">
             <a:avLst/>
@@ -3485,18 +4686,22 @@
       </p:grpSpPr>
       <p:sp>
         <p:nvSpPr>
-          <p:cNvPr id="88" name="TextShape 1"/>
-          <p:cNvSpPr txBox="1"/>
+          <p:cNvPr id="120" name="CustomShape 1"/>
+          <p:cNvSpPr/>
           <p:nvPr/>
         </p:nvSpPr>
         <p:spPr>
           <a:xfrm>
             <a:off x="424080" y="424800"/>
-            <a:ext cx="9231480" cy="1262520"/>
-          </a:xfrm>
-          <a:prstGeom prst="rect">
-            <a:avLst/>
-          </a:prstGeom>
+            <a:ext cx="9231120" cy="1262160"/>
+          </a:xfrm>
+          <a:prstGeom prst="rect">
+            <a:avLst/>
+          </a:prstGeom>
+          <a:noFill/>
+          <a:ln>
+            <a:noFill/>
+          </a:ln>
         </p:spPr>
         <p:txBody>
           <a:bodyPr lIns="0" rIns="0" tIns="0" bIns="0"/>
@@ -3513,44 +4718,30 @@
                 </a:solidFill>
                 <a:latin typeface="Arial"/>
               </a:rPr>
-              <a:t>Problem being</a:t>
-            </a:r>
-            <a:r>
-              <a:rPr b="1" lang="en-IN" sz="3000">
-                <a:solidFill>
-                  <a:srgbClr val="666666"/>
-                </a:solidFill>
-                <a:latin typeface="Arial"/>
-              </a:rPr>
-              <a:t> </a:t>
-            </a:r>
-            <a:r>
-              <a:rPr b="1" lang="en-IN" sz="3000">
-                <a:solidFill>
-                  <a:srgbClr val="666666"/>
-                </a:solidFill>
-                <a:latin typeface="Arial"/>
-              </a:rPr>
-              <a:t>solved</a:t>
-            </a:r>
-            <a:endParaRPr/>
-          </a:p>
-        </p:txBody>
-      </p:sp>
-      <p:sp>
-        <p:nvSpPr>
-          <p:cNvPr id="89" name="TextShape 2"/>
-          <p:cNvSpPr txBox="1"/>
+              <a:t>Problem being solved</a:t>
+            </a:r>
+            <a:endParaRPr/>
+          </a:p>
+        </p:txBody>
+      </p:sp>
+      <p:sp>
+        <p:nvSpPr>
+          <p:cNvPr id="121" name="CustomShape 2"/>
+          <p:cNvSpPr/>
           <p:nvPr/>
         </p:nvSpPr>
         <p:spPr>
           <a:xfrm>
             <a:off x="504000" y="1768680"/>
-            <a:ext cx="4426920" cy="4384080"/>
-          </a:xfrm>
-          <a:prstGeom prst="rect">
-            <a:avLst/>
-          </a:prstGeom>
+            <a:ext cx="4426560" cy="4383720"/>
+          </a:xfrm>
+          <a:prstGeom prst="rect">
+            <a:avLst/>
+          </a:prstGeom>
+          <a:noFill/>
+          <a:ln>
+            <a:noFill/>
+          </a:ln>
         </p:spPr>
         <p:txBody>
           <a:bodyPr lIns="0" rIns="0" tIns="0" bIns="0"/>
@@ -3568,9 +4759,12 @@
           </a:p>
           <a:p>
             <a:pPr>
+              <a:lnSpc>
+                <a:spcPct val="100000"/>
+              </a:lnSpc>
               <a:buSzPct val="45000"/>
               <a:buFont typeface="StarSymbol"/>
-              <a:buChar char=""/>
+              <a:buChar char="l"/>
             </a:pPr>
             <a:r>
               <a:rPr lang="en-IN" sz="2650">
@@ -3585,9 +4779,12 @@
           </a:p>
           <a:p>
             <a:pPr>
+              <a:lnSpc>
+                <a:spcPct val="100000"/>
+              </a:lnSpc>
               <a:buSzPct val="45000"/>
               <a:buFont typeface="StarSymbol"/>
-              <a:buChar char=""/>
+              <a:buChar char="l"/>
             </a:pPr>
             <a:r>
               <a:rPr lang="en-IN" sz="2650">
@@ -3602,9 +4799,12 @@
           </a:p>
           <a:p>
             <a:pPr>
+              <a:lnSpc>
+                <a:spcPct val="100000"/>
+              </a:lnSpc>
               <a:buSzPct val="45000"/>
               <a:buFont typeface="StarSymbol"/>
-              <a:buChar char=""/>
+              <a:buChar char="l"/>
             </a:pPr>
             <a:r>
               <a:rPr lang="en-IN" sz="2650">
@@ -3619,9 +4819,12 @@
           </a:p>
           <a:p>
             <a:pPr>
+              <a:lnSpc>
+                <a:spcPct val="100000"/>
+              </a:lnSpc>
               <a:buSzPct val="45000"/>
               <a:buFont typeface="StarSymbol"/>
-              <a:buChar char=""/>
+              <a:buChar char="l"/>
             </a:pPr>
             <a:r>
               <a:rPr lang="en-IN" sz="2650">
@@ -3636,28 +4839,32 @@
           </a:p>
           <a:p>
             <a:pPr>
-              <a:buSzPct val="45000"/>
-              <a:buFont typeface="StarSymbol"/>
-              <a:buChar char=""/>
-            </a:pPr>
-            <a:endParaRPr/>
-          </a:p>
-        </p:txBody>
-      </p:sp>
-      <p:sp>
-        <p:nvSpPr>
-          <p:cNvPr id="90" name="TextShape 3"/>
-          <p:cNvSpPr txBox="1"/>
+              <a:lnSpc>
+                <a:spcPct val="100000"/>
+              </a:lnSpc>
+            </a:pPr>
+            <a:endParaRPr/>
+          </a:p>
+        </p:txBody>
+      </p:sp>
+      <p:sp>
+        <p:nvSpPr>
+          <p:cNvPr id="122" name="CustomShape 3"/>
+          <p:cNvSpPr/>
           <p:nvPr/>
         </p:nvSpPr>
         <p:spPr>
           <a:xfrm>
             <a:off x="5256000" y="1768680"/>
-            <a:ext cx="4426920" cy="4384080"/>
-          </a:xfrm>
-          <a:prstGeom prst="rect">
-            <a:avLst/>
-          </a:prstGeom>
+            <a:ext cx="4426560" cy="4383720"/>
+          </a:xfrm>
+          <a:prstGeom prst="rect">
+            <a:avLst/>
+          </a:prstGeom>
+          <a:noFill/>
+          <a:ln>
+            <a:noFill/>
+          </a:ln>
         </p:spPr>
         <p:txBody>
           <a:bodyPr lIns="0" rIns="0" tIns="0" bIns="0"/>
@@ -3675,9 +4882,12 @@
           </a:p>
           <a:p>
             <a:pPr>
+              <a:lnSpc>
+                <a:spcPct val="100000"/>
+              </a:lnSpc>
               <a:buSzPct val="45000"/>
               <a:buFont typeface="StarSymbol"/>
-              <a:buChar char=""/>
+              <a:buChar char="l"/>
             </a:pPr>
             <a:r>
               <a:rPr lang="en-IN">
@@ -3692,9 +4902,12 @@
           </a:p>
           <a:p>
             <a:pPr>
+              <a:lnSpc>
+                <a:spcPct val="100000"/>
+              </a:lnSpc>
               <a:buSzPct val="45000"/>
               <a:buFont typeface="StarSymbol"/>
-              <a:buChar char=""/>
+              <a:buChar char="l"/>
             </a:pPr>
             <a:r>
               <a:rPr lang="en-IN">
@@ -3709,9 +4922,12 @@
           </a:p>
           <a:p>
             <a:pPr>
+              <a:lnSpc>
+                <a:spcPct val="100000"/>
+              </a:lnSpc>
               <a:buSzPct val="45000"/>
               <a:buFont typeface="StarSymbol"/>
-              <a:buChar char=""/>
+              <a:buChar char="l"/>
             </a:pPr>
             <a:r>
               <a:rPr lang="en-IN">
@@ -3725,6 +4941,11 @@
             <a:endParaRPr/>
           </a:p>
           <a:p>
+            <a:pPr>
+              <a:lnSpc>
+                <a:spcPct val="100000"/>
+              </a:lnSpc>
+            </a:pPr>
             <a:endParaRPr/>
           </a:p>
         </p:txBody>
@@ -3780,18 +5001,22 @@
       </p:grpSpPr>
       <p:sp>
         <p:nvSpPr>
-          <p:cNvPr id="91" name="TextShape 1"/>
-          <p:cNvSpPr txBox="1"/>
+          <p:cNvPr id="123" name="CustomShape 1"/>
+          <p:cNvSpPr/>
           <p:nvPr/>
         </p:nvSpPr>
         <p:spPr>
           <a:xfrm>
             <a:off x="424080" y="424800"/>
-            <a:ext cx="9231480" cy="1262520"/>
-          </a:xfrm>
-          <a:prstGeom prst="rect">
-            <a:avLst/>
-          </a:prstGeom>
+            <a:ext cx="9231120" cy="1262160"/>
+          </a:xfrm>
+          <a:prstGeom prst="rect">
+            <a:avLst/>
+          </a:prstGeom>
+          <a:noFill/>
+          <a:ln>
+            <a:noFill/>
+          </a:ln>
         </p:spPr>
         <p:txBody>
           <a:bodyPr lIns="0" rIns="0" tIns="0" bIns="0"/>
@@ -3808,25 +5033,7 @@
                 </a:solidFill>
                 <a:latin typeface="Arial"/>
               </a:rPr>
-              <a:t>Technology</a:t>
-            </a:r>
-            <a:r>
-              <a:rPr b="1" lang="en-IN" sz="3000">
-                <a:solidFill>
-                  <a:srgbClr val="666666"/>
-                </a:solidFill>
-                <a:latin typeface="Arial"/>
-              </a:rPr>
-              <a:t> </a:t>
-            </a:r>
-            <a:r>
-              <a:rPr b="1" lang="en-IN" sz="3000">
-                <a:solidFill>
-                  <a:srgbClr val="666666"/>
-                </a:solidFill>
-                <a:latin typeface="Arial"/>
-              </a:rPr>
-              <a:t>Stack</a:t>
+              <a:t>Technology Stack</a:t>
             </a:r>
             <a:endParaRPr/>
           </a:p>
@@ -3834,7 +5041,7 @@
       </p:sp>
       <p:pic>
         <p:nvPicPr>
-          <p:cNvPr id="92" name="" descr=""/>
+          <p:cNvPr id="124" name="" descr=""/>
           <p:cNvPicPr/>
           <p:nvPr/>
         </p:nvPicPr>
@@ -3847,7 +5054,7 @@
         <p:spPr>
           <a:xfrm>
             <a:off x="504000" y="1008000"/>
-            <a:ext cx="8856000" cy="5616000"/>
+            <a:ext cx="8855640" cy="5615640"/>
           </a:xfrm>
           <a:prstGeom prst="rect">
             <a:avLst/>
@@ -3908,18 +5115,22 @@
       </p:grpSpPr>
       <p:sp>
         <p:nvSpPr>
-          <p:cNvPr id="93" name="TextShape 1"/>
-          <p:cNvSpPr txBox="1"/>
+          <p:cNvPr id="125" name="CustomShape 1"/>
+          <p:cNvSpPr/>
           <p:nvPr/>
         </p:nvSpPr>
         <p:spPr>
           <a:xfrm>
             <a:off x="424080" y="424800"/>
-            <a:ext cx="9231480" cy="1262520"/>
-          </a:xfrm>
-          <a:prstGeom prst="rect">
-            <a:avLst/>
-          </a:prstGeom>
+            <a:ext cx="9231120" cy="1262160"/>
+          </a:xfrm>
+          <a:prstGeom prst="rect">
+            <a:avLst/>
+          </a:prstGeom>
+          <a:noFill/>
+          <a:ln>
+            <a:noFill/>
+          </a:ln>
         </p:spPr>
         <p:txBody>
           <a:bodyPr lIns="0" rIns="0" tIns="0" bIns="0"/>
@@ -3936,40 +5147,22 @@
                 </a:solidFill>
                 <a:latin typeface="Arial"/>
               </a:rPr>
-              <a:t>Demo</a:t>
-            </a:r>
-            <a:r>
-              <a:rPr b="1" lang="en-IN" sz="3000">
-                <a:solidFill>
-                  <a:srgbClr val="666666"/>
-                </a:solidFill>
-                <a:latin typeface="Arial"/>
-              </a:rPr>
-              <a:t> </a:t>
-            </a:r>
-            <a:r>
-              <a:rPr b="1" lang="en-IN" sz="3000">
-                <a:solidFill>
-                  <a:srgbClr val="666666"/>
-                </a:solidFill>
-                <a:latin typeface="Arial"/>
-              </a:rPr>
-              <a:t>Video/Screenshots</a:t>
-            </a:r>
-            <a:endParaRPr/>
-          </a:p>
-        </p:txBody>
-      </p:sp>
-      <p:sp>
-        <p:nvSpPr>
-          <p:cNvPr id="94" name="CustomShape 2"/>
+              <a:t>Demo Video/Screenshots</a:t>
+            </a:r>
+            <a:endParaRPr/>
+          </a:p>
+        </p:txBody>
+      </p:sp>
+      <p:sp>
+        <p:nvSpPr>
+          <p:cNvPr id="126" name="CustomShape 2"/>
           <p:cNvSpPr/>
           <p:nvPr/>
         </p:nvSpPr>
         <p:spPr>
           <a:xfrm>
             <a:off x="424080" y="1806120"/>
-            <a:ext cx="2666520" cy="403920"/>
+            <a:ext cx="7927920" cy="1865880"/>
           </a:xfrm>
           <a:prstGeom prst="rect">
             <a:avLst/>
@@ -3994,25 +5187,7 @@
                 </a:solidFill>
                 <a:latin typeface="Arial"/>
               </a:rPr>
-              <a:t>Video should be &lt;</a:t>
-            </a:r>
-            <a:r>
-              <a:rPr lang="en-IN">
-                <a:solidFill>
-                  <a:srgbClr val="666666"/>
-                </a:solidFill>
-                <a:latin typeface="Arial"/>
-              </a:rPr>
-              <a:t> </a:t>
-            </a:r>
-            <a:r>
-              <a:rPr lang="en-IN">
-                <a:solidFill>
-                  <a:srgbClr val="666666"/>
-                </a:solidFill>
-                <a:latin typeface="Arial"/>
-              </a:rPr>
-              <a:t>1min</a:t>
+              <a:t>Video Link https://youtu.be/ws_JVVrHfjk</a:t>
             </a:r>
             <a:endParaRPr/>
           </a:p>
@@ -4069,18 +5244,22 @@
       </p:grpSpPr>
       <p:sp>
         <p:nvSpPr>
-          <p:cNvPr id="95" name="TextShape 1"/>
-          <p:cNvSpPr txBox="1"/>
+          <p:cNvPr id="127" name="CustomShape 1"/>
+          <p:cNvSpPr/>
           <p:nvPr/>
         </p:nvSpPr>
         <p:spPr>
           <a:xfrm>
             <a:off x="424080" y="424800"/>
-            <a:ext cx="9231480" cy="1262520"/>
-          </a:xfrm>
-          <a:prstGeom prst="rect">
-            <a:avLst/>
-          </a:prstGeom>
+            <a:ext cx="9231120" cy="1262160"/>
+          </a:xfrm>
+          <a:prstGeom prst="rect">
+            <a:avLst/>
+          </a:prstGeom>
+          <a:noFill/>
+          <a:ln>
+            <a:noFill/>
+          </a:ln>
         </p:spPr>
         <p:txBody>
           <a:bodyPr lIns="0" rIns="0" tIns="0" bIns="0"/>
@@ -4097,40 +5276,22 @@
                 </a:solidFill>
                 <a:latin typeface="Arial"/>
               </a:rPr>
-              <a:t>Challenges</a:t>
-            </a:r>
-            <a:r>
-              <a:rPr b="1" lang="en-IN" sz="3000">
-                <a:solidFill>
-                  <a:srgbClr val="666666"/>
-                </a:solidFill>
-                <a:latin typeface="Arial"/>
-              </a:rPr>
-              <a:t> </a:t>
-            </a:r>
-            <a:r>
-              <a:rPr b="1" lang="en-IN" sz="3000">
-                <a:solidFill>
-                  <a:srgbClr val="666666"/>
-                </a:solidFill>
-                <a:latin typeface="Arial"/>
-              </a:rPr>
-              <a:t>faced</a:t>
-            </a:r>
-            <a:endParaRPr/>
-          </a:p>
-        </p:txBody>
-      </p:sp>
-      <p:sp>
-        <p:nvSpPr>
-          <p:cNvPr id="96" name="CustomShape 2"/>
+              <a:t>Challenges faced</a:t>
+            </a:r>
+            <a:endParaRPr/>
+          </a:p>
+        </p:txBody>
+      </p:sp>
+      <p:sp>
+        <p:nvSpPr>
+          <p:cNvPr id="128" name="CustomShape 2"/>
           <p:cNvSpPr/>
           <p:nvPr/>
         </p:nvSpPr>
         <p:spPr>
           <a:xfrm>
             <a:off x="424080" y="1747440"/>
-            <a:ext cx="9198360" cy="4961160"/>
+            <a:ext cx="9198000" cy="4960800"/>
           </a:xfrm>
           <a:prstGeom prst="rect">
             <a:avLst/>
@@ -4316,18 +5477,22 @@
       </p:grpSpPr>
       <p:sp>
         <p:nvSpPr>
-          <p:cNvPr id="97" name="TextShape 1"/>
-          <p:cNvSpPr txBox="1"/>
+          <p:cNvPr id="129" name="CustomShape 1"/>
+          <p:cNvSpPr/>
           <p:nvPr/>
         </p:nvSpPr>
         <p:spPr>
           <a:xfrm>
             <a:off x="424080" y="424800"/>
-            <a:ext cx="9231480" cy="1262520"/>
-          </a:xfrm>
-          <a:prstGeom prst="rect">
-            <a:avLst/>
-          </a:prstGeom>
+            <a:ext cx="9231120" cy="1262160"/>
+          </a:xfrm>
+          <a:prstGeom prst="rect">
+            <a:avLst/>
+          </a:prstGeom>
+          <a:noFill/>
+          <a:ln>
+            <a:noFill/>
+          </a:ln>
         </p:spPr>
         <p:txBody>
           <a:bodyPr lIns="0" rIns="0" tIns="0" bIns="0"/>
@@ -4344,40 +5509,22 @@
                 </a:solidFill>
                 <a:latin typeface="Arial"/>
               </a:rPr>
-              <a:t>Future</a:t>
-            </a:r>
-            <a:r>
-              <a:rPr b="1" lang="en-IN" sz="3000">
-                <a:solidFill>
-                  <a:srgbClr val="666666"/>
-                </a:solidFill>
-                <a:latin typeface="Arial"/>
-              </a:rPr>
-              <a:t> </a:t>
-            </a:r>
-            <a:r>
-              <a:rPr b="1" lang="en-IN" sz="3000">
-                <a:solidFill>
-                  <a:srgbClr val="666666"/>
-                </a:solidFill>
-                <a:latin typeface="Arial"/>
-              </a:rPr>
-              <a:t>Scope</a:t>
-            </a:r>
-            <a:endParaRPr/>
-          </a:p>
-        </p:txBody>
-      </p:sp>
-      <p:sp>
-        <p:nvSpPr>
-          <p:cNvPr id="98" name="CustomShape 2"/>
+              <a:t>Future Scope</a:t>
+            </a:r>
+            <a:endParaRPr/>
+          </a:p>
+        </p:txBody>
+      </p:sp>
+      <p:sp>
+        <p:nvSpPr>
+          <p:cNvPr id="130" name="CustomShape 2"/>
           <p:cNvSpPr/>
           <p:nvPr/>
         </p:nvSpPr>
         <p:spPr>
           <a:xfrm>
             <a:off x="424080" y="1806120"/>
-            <a:ext cx="9223920" cy="4961880"/>
+            <a:ext cx="9223560" cy="4961520"/>
           </a:xfrm>
           <a:prstGeom prst="rect">
             <a:avLst/>
@@ -5002,4 +6149,227 @@
     </a:fmtScheme>
   </a:themeElements>
 </a:theme>
+</file>
+
+<file path=ppt/theme/theme3.xml><?xml version="1.0" encoding="utf-8"?>
+<a:theme xmlns:a="http://schemas.openxmlformats.org/drawingml/2006/main" name="Office Theme">
+  <a:themeElements>
+    <a:clrScheme name="Office">
+      <a:dk1>
+        <a:sysClr val="windowText" lastClr="000000"/>
+      </a:dk1>
+      <a:lt1>
+        <a:sysClr val="window" lastClr="FFFFFF"/>
+      </a:lt1>
+      <a:dk2>
+        <a:srgbClr val="1F497D"/>
+      </a:dk2>
+      <a:lt2>
+        <a:srgbClr val="EEECE1"/>
+      </a:lt2>
+      <a:accent1>
+        <a:srgbClr val="4F81BD"/>
+      </a:accent1>
+      <a:accent2>
+        <a:srgbClr val="C0504D"/>
+      </a:accent2>
+      <a:accent3>
+        <a:srgbClr val="9BBB59"/>
+      </a:accent3>
+      <a:accent4>
+        <a:srgbClr val="8064A2"/>
+      </a:accent4>
+      <a:accent5>
+        <a:srgbClr val="4BACC6"/>
+      </a:accent5>
+      <a:accent6>
+        <a:srgbClr val="F79646"/>
+      </a:accent6>
+      <a:hlink>
+        <a:srgbClr val="0000FF"/>
+      </a:hlink>
+      <a:folHlink>
+        <a:srgbClr val="800080"/>
+      </a:folHlink>
+    </a:clrScheme>
+    <a:fontScheme name="Office">
+      <a:majorFont>
+        <a:latin typeface="Arial"/>
+        <a:ea typeface="DejaVu Sans"/>
+        <a:cs typeface="DejaVu Sans"/>
+      </a:majorFont>
+      <a:minorFont>
+        <a:latin typeface="Arial"/>
+        <a:ea typeface="DejaVu Sans"/>
+        <a:cs typeface="DejaVu Sans"/>
+      </a:minorFont>
+    </a:fontScheme>
+    <a:fmtScheme name="Office">
+      <a:fillStyleLst>
+        <a:solidFill>
+          <a:schemeClr val="phClr"/>
+        </a:solidFill>
+        <a:gradFill rotWithShape="1">
+          <a:gsLst>
+            <a:gs pos="0">
+              <a:schemeClr val="phClr">
+                <a:tint val="50000"/>
+                <a:satMod val="300000"/>
+              </a:schemeClr>
+            </a:gs>
+            <a:gs pos="35000">
+              <a:schemeClr val="phClr">
+                <a:tint val="37000"/>
+                <a:satMod val="300000"/>
+              </a:schemeClr>
+            </a:gs>
+            <a:gs pos="100000">
+              <a:schemeClr val="phClr">
+                <a:tint val="15000"/>
+                <a:satMod val="350000"/>
+              </a:schemeClr>
+            </a:gs>
+          </a:gsLst>
+          <a:lin ang="16200000" scaled="1"/>
+        </a:gradFill>
+        <a:gradFill rotWithShape="1">
+          <a:gsLst>
+            <a:gs pos="0">
+              <a:schemeClr val="phClr">
+                <a:shade val="51000"/>
+                <a:satMod val="130000"/>
+              </a:schemeClr>
+            </a:gs>
+            <a:gs pos="80000">
+              <a:schemeClr val="phClr">
+                <a:shade val="93000"/>
+                <a:satMod val="130000"/>
+              </a:schemeClr>
+            </a:gs>
+            <a:gs pos="100000">
+              <a:schemeClr val="phClr">
+                <a:shade val="94000"/>
+                <a:satMod val="135000"/>
+              </a:schemeClr>
+            </a:gs>
+          </a:gsLst>
+          <a:lin ang="16200000" scaled="0"/>
+        </a:gradFill>
+      </a:fillStyleLst>
+      <a:lnStyleLst>
+        <a:ln w="9525" cap="flat" cmpd="sng" algn="ctr">
+          <a:solidFill>
+            <a:schemeClr val="phClr">
+              <a:shade val="95000"/>
+              <a:satMod val="105000"/>
+            </a:schemeClr>
+          </a:solidFill>
+          <a:prstDash val="solid"/>
+        </a:ln>
+        <a:ln w="25400" cap="flat" cmpd="sng" algn="ctr">
+          <a:solidFill>
+            <a:schemeClr val="phClr"/>
+          </a:solidFill>
+          <a:prstDash val="solid"/>
+        </a:ln>
+        <a:ln w="38100" cap="flat" cmpd="sng" algn="ctr">
+          <a:solidFill>
+            <a:schemeClr val="phClr"/>
+          </a:solidFill>
+          <a:prstDash val="solid"/>
+        </a:ln>
+      </a:lnStyleLst>
+      <a:effectStyleLst>
+        <a:effectStyle>
+          <a:effectLst>
+            <a:outerShdw blurRad="40000" dist="20000" dir="5400000" rotWithShape="0">
+              <a:srgbClr val="000000">
+                <a:alpha val="38000"/>
+              </a:srgbClr>
+            </a:outerShdw>
+          </a:effectLst>
+        </a:effectStyle>
+        <a:effectStyle>
+          <a:effectLst>
+            <a:outerShdw blurRad="40000" dist="23000" dir="5400000" rotWithShape="0">
+              <a:srgbClr val="000000">
+                <a:alpha val="35000"/>
+              </a:srgbClr>
+            </a:outerShdw>
+          </a:effectLst>
+        </a:effectStyle>
+        <a:effectStyle>
+          <a:effectLst>
+            <a:outerShdw blurRad="40000" dist="23000" dir="5400000" rotWithShape="0">
+              <a:srgbClr val="000000">
+                <a:alpha val="35000"/>
+              </a:srgbClr>
+            </a:outerShdw>
+          </a:effectLst>
+          <a:scene3d>
+            <a:camera prst="orthographicFront">
+              <a:rot lat="0" lon="0" rev="0"/>
+            </a:camera>
+            <a:lightRig rig="threePt" dir="t">
+              <a:rot lat="0" lon="0" rev="1200000"/>
+            </a:lightRig>
+          </a:scene3d>
+          <a:sp3d>
+            <a:bevelT w="63500" h="25400"/>
+          </a:sp3d>
+        </a:effectStyle>
+      </a:effectStyleLst>
+      <a:bgFillStyleLst>
+        <a:solidFill>
+          <a:schemeClr val="phClr"/>
+        </a:solidFill>
+        <a:gradFill rotWithShape="1">
+          <a:gsLst>
+            <a:gs pos="0">
+              <a:schemeClr val="phClr">
+                <a:tint val="40000"/>
+                <a:satMod val="350000"/>
+              </a:schemeClr>
+            </a:gs>
+            <a:gs pos="40000">
+              <a:schemeClr val="phClr">
+                <a:tint val="45000"/>
+                <a:shade val="99000"/>
+                <a:satMod val="350000"/>
+              </a:schemeClr>
+            </a:gs>
+            <a:gs pos="100000">
+              <a:schemeClr val="phClr">
+                <a:shade val="20000"/>
+                <a:satMod val="255000"/>
+              </a:schemeClr>
+            </a:gs>
+          </a:gsLst>
+          <a:path path="circle">
+            <a:fillToRect l="50000" t="-80000" r="50000" b="180000"/>
+          </a:path>
+        </a:gradFill>
+        <a:gradFill rotWithShape="1">
+          <a:gsLst>
+            <a:gs pos="0">
+              <a:schemeClr val="phClr">
+                <a:tint val="80000"/>
+                <a:satMod val="300000"/>
+              </a:schemeClr>
+            </a:gs>
+            <a:gs pos="100000">
+              <a:schemeClr val="phClr">
+                <a:shade val="30000"/>
+                <a:satMod val="200000"/>
+              </a:schemeClr>
+            </a:gs>
+          </a:gsLst>
+          <a:path path="circle">
+            <a:fillToRect l="50000" t="50000" r="50000" b="50000"/>
+          </a:path>
+        </a:gradFill>
+      </a:bgFillStyleLst>
+    </a:fmtScheme>
+  </a:themeElements>
+</a:theme>
 </file>